--- a/evening/c2/questions.pptx
+++ b/evening/c2/questions.pptx
@@ -2,7 +2,7 @@
 <file path=ppt/presentation.xml><?xml version="1.0" encoding="utf-8"?>
 <p:presentation xmlns:a="http://schemas.openxmlformats.org/drawingml/2006/main" xmlns:r="http://schemas.openxmlformats.org/officeDocument/2006/relationships" xmlns:p="http://schemas.openxmlformats.org/presentationml/2006/main" saveSubsetFonts="1">
   <p:sldMasterIdLst>
-    <p:sldMasterId id="2147483648" r:id="rId1"/>
+    <p:sldMasterId id="2147483660" r:id="rId1"/>
   </p:sldMasterIdLst>
   <p:notesMasterIdLst>
     <p:notesMasterId r:id="rId12"/>
@@ -19,13 +19,13 @@
     <p:sldId id="264" r:id="rId10"/>
     <p:sldId id="265" r:id="rId11"/>
   </p:sldIdLst>
-  <p:sldSz cx="12192000" cy="6858000"/>
+  <p:sldSz cx="9906000" cy="6858000" type="A4"/>
   <p:notesSz cx="6858000" cy="9144000"/>
   <p:defaultTextStyle>
     <a:defPPr>
       <a:defRPr lang="en-US"/>
     </a:defPPr>
-    <a:lvl1pPr marL="0" algn="l" defTabSz="914400" rtl="0" eaLnBrk="1" latinLnBrk="0" hangingPunct="1">
+    <a:lvl1pPr marL="0" algn="l" defTabSz="457200" rtl="0" eaLnBrk="1" latinLnBrk="0" hangingPunct="1">
       <a:defRPr sz="1800" kern="1200">
         <a:solidFill>
           <a:schemeClr val="tx1"/>
@@ -35,7 +35,7 @@
         <a:cs typeface="+mn-cs"/>
       </a:defRPr>
     </a:lvl1pPr>
-    <a:lvl2pPr marL="457200" algn="l" defTabSz="914400" rtl="0" eaLnBrk="1" latinLnBrk="0" hangingPunct="1">
+    <a:lvl2pPr marL="457200" algn="l" defTabSz="457200" rtl="0" eaLnBrk="1" latinLnBrk="0" hangingPunct="1">
       <a:defRPr sz="1800" kern="1200">
         <a:solidFill>
           <a:schemeClr val="tx1"/>
@@ -45,7 +45,7 @@
         <a:cs typeface="+mn-cs"/>
       </a:defRPr>
     </a:lvl2pPr>
-    <a:lvl3pPr marL="914400" algn="l" defTabSz="914400" rtl="0" eaLnBrk="1" latinLnBrk="0" hangingPunct="1">
+    <a:lvl3pPr marL="914400" algn="l" defTabSz="457200" rtl="0" eaLnBrk="1" latinLnBrk="0" hangingPunct="1">
       <a:defRPr sz="1800" kern="1200">
         <a:solidFill>
           <a:schemeClr val="tx1"/>
@@ -55,7 +55,7 @@
         <a:cs typeface="+mn-cs"/>
       </a:defRPr>
     </a:lvl3pPr>
-    <a:lvl4pPr marL="1371600" algn="l" defTabSz="914400" rtl="0" eaLnBrk="1" latinLnBrk="0" hangingPunct="1">
+    <a:lvl4pPr marL="1371600" algn="l" defTabSz="457200" rtl="0" eaLnBrk="1" latinLnBrk="0" hangingPunct="1">
       <a:defRPr sz="1800" kern="1200">
         <a:solidFill>
           <a:schemeClr val="tx1"/>
@@ -65,7 +65,7 @@
         <a:cs typeface="+mn-cs"/>
       </a:defRPr>
     </a:lvl4pPr>
-    <a:lvl5pPr marL="1828800" algn="l" defTabSz="914400" rtl="0" eaLnBrk="1" latinLnBrk="0" hangingPunct="1">
+    <a:lvl5pPr marL="1828800" algn="l" defTabSz="457200" rtl="0" eaLnBrk="1" latinLnBrk="0" hangingPunct="1">
       <a:defRPr sz="1800" kern="1200">
         <a:solidFill>
           <a:schemeClr val="tx1"/>
@@ -75,7 +75,7 @@
         <a:cs typeface="+mn-cs"/>
       </a:defRPr>
     </a:lvl5pPr>
-    <a:lvl6pPr marL="2286000" algn="l" defTabSz="914400" rtl="0" eaLnBrk="1" latinLnBrk="0" hangingPunct="1">
+    <a:lvl6pPr marL="2286000" algn="l" defTabSz="457200" rtl="0" eaLnBrk="1" latinLnBrk="0" hangingPunct="1">
       <a:defRPr sz="1800" kern="1200">
         <a:solidFill>
           <a:schemeClr val="tx1"/>
@@ -85,7 +85,7 @@
         <a:cs typeface="+mn-cs"/>
       </a:defRPr>
     </a:lvl6pPr>
-    <a:lvl7pPr marL="2743200" algn="l" defTabSz="914400" rtl="0" eaLnBrk="1" latinLnBrk="0" hangingPunct="1">
+    <a:lvl7pPr marL="2743200" algn="l" defTabSz="457200" rtl="0" eaLnBrk="1" latinLnBrk="0" hangingPunct="1">
       <a:defRPr sz="1800" kern="1200">
         <a:solidFill>
           <a:schemeClr val="tx1"/>
@@ -95,7 +95,7 @@
         <a:cs typeface="+mn-cs"/>
       </a:defRPr>
     </a:lvl7pPr>
-    <a:lvl8pPr marL="3200400" algn="l" defTabSz="914400" rtl="0" eaLnBrk="1" latinLnBrk="0" hangingPunct="1">
+    <a:lvl8pPr marL="3200400" algn="l" defTabSz="457200" rtl="0" eaLnBrk="1" latinLnBrk="0" hangingPunct="1">
       <a:defRPr sz="1800" kern="1200">
         <a:solidFill>
           <a:schemeClr val="tx1"/>
@@ -105,7 +105,7 @@
         <a:cs typeface="+mn-cs"/>
       </a:defRPr>
     </a:lvl8pPr>
-    <a:lvl9pPr marL="3657600" algn="l" defTabSz="914400" rtl="0" eaLnBrk="1" latinLnBrk="0" hangingPunct="1">
+    <a:lvl9pPr marL="3657600" algn="l" defTabSz="457200" rtl="0" eaLnBrk="1" latinLnBrk="0" hangingPunct="1">
       <a:defRPr sz="1800" kern="1200">
         <a:solidFill>
           <a:schemeClr val="tx1"/>
@@ -116,6 +116,11 @@
       </a:defRPr>
     </a:lvl9pPr>
   </p:defaultTextStyle>
+  <p:extLst>
+    <p:ext uri="{EFAFB233-063F-42B5-8137-9DF3F51BA10A}">
+      <p15:sldGuideLst xmlns:p15="http://schemas.microsoft.com/office/powerpoint/2012/main"/>
+    </p:ext>
+  </p:extLst>
 </p:presentation>
 </file>
 
@@ -219,8 +224,8 @@
         </p:nvSpPr>
         <p:spPr>
           <a:xfrm>
-            <a:off x="685800" y="1143000"/>
-            <a:ext cx="5486400" cy="3086100"/>
+            <a:off x="1200150" y="1143000"/>
+            <a:ext cx="4457700" cy="3086100"/>
           </a:xfrm>
           <a:prstGeom prst="rect">
             <a:avLst/>
@@ -495,10 +500,15 @@
             <p:ph type="sldImg"/>
           </p:nvPr>
         </p:nvSpPr>
-        <p:spPr/>
-      </p:sp>
-      <mc:AlternateContent xmlns:mc="http://schemas.openxmlformats.org/markup-compatibility/2006">
-        <mc:Choice xmlns:a14="http://schemas.microsoft.com/office/drawing/2010/main" Requires="a14">
+        <p:spPr>
+          <a:xfrm>
+            <a:off x="1200150" y="1143000"/>
+            <a:ext cx="4457700" cy="3086100"/>
+          </a:xfrm>
+        </p:spPr>
+      </p:sp>
+      <mc:AlternateContent xmlns:mc="http://schemas.openxmlformats.org/markup-compatibility/2006" xmlns:a14="http://schemas.microsoft.com/office/drawing/2010/main">
+        <mc:Choice Requires="a14">
           <p:sp>
             <p:nvSpPr>
               <p:cNvPr id="3" name="Notes Placeholder 2"/>
@@ -548,7 +558,7 @@
             </p:txBody>
           </p:sp>
         </mc:Choice>
-        <mc:Fallback>
+        <mc:Fallback xmlns="">
           <p:sp>
             <p:nvSpPr>
               <p:cNvPr id="3" name="Notes Placeholder 2"/>
@@ -646,10 +656,15 @@
             <p:ph type="sldImg"/>
           </p:nvPr>
         </p:nvSpPr>
-        <p:spPr/>
-      </p:sp>
-      <mc:AlternateContent xmlns:mc="http://schemas.openxmlformats.org/markup-compatibility/2006">
-        <mc:Choice xmlns:a14="http://schemas.microsoft.com/office/drawing/2010/main" Requires="a14">
+        <p:spPr>
+          <a:xfrm>
+            <a:off x="1200150" y="1143000"/>
+            <a:ext cx="4457700" cy="3086100"/>
+          </a:xfrm>
+        </p:spPr>
+      </p:sp>
+      <mc:AlternateContent xmlns:mc="http://schemas.openxmlformats.org/markup-compatibility/2006" xmlns:a14="http://schemas.microsoft.com/office/drawing/2010/main">
+        <mc:Choice Requires="a14">
           <p:sp>
             <p:nvSpPr>
               <p:cNvPr id="3" name="Notes Placeholder 2"/>
@@ -713,7 +728,7 @@
             </p:txBody>
           </p:sp>
         </mc:Choice>
-        <mc:Fallback>
+        <mc:Fallback xmlns="">
           <p:sp>
             <p:nvSpPr>
               <p:cNvPr id="3" name="Notes Placeholder 2"/>
@@ -821,10 +836,15 @@
             <p:ph type="sldImg"/>
           </p:nvPr>
         </p:nvSpPr>
-        <p:spPr/>
-      </p:sp>
-      <mc:AlternateContent xmlns:mc="http://schemas.openxmlformats.org/markup-compatibility/2006">
-        <mc:Choice xmlns:a14="http://schemas.microsoft.com/office/drawing/2010/main" Requires="a14">
+        <p:spPr>
+          <a:xfrm>
+            <a:off x="1200150" y="1143000"/>
+            <a:ext cx="4457700" cy="3086100"/>
+          </a:xfrm>
+        </p:spPr>
+      </p:sp>
+      <mc:AlternateContent xmlns:mc="http://schemas.openxmlformats.org/markup-compatibility/2006" xmlns:a14="http://schemas.microsoft.com/office/drawing/2010/main">
+        <mc:Choice Requires="a14">
           <p:sp>
             <p:nvSpPr>
               <p:cNvPr id="3" name="Notes Placeholder 2"/>
@@ -900,7 +920,7 @@
             </p:txBody>
           </p:sp>
         </mc:Choice>
-        <mc:Fallback>
+        <mc:Fallback xmlns="">
           <p:sp>
             <p:nvSpPr>
               <p:cNvPr id="3" name="Notes Placeholder 2"/>
@@ -1022,10 +1042,15 @@
             <p:ph type="sldImg"/>
           </p:nvPr>
         </p:nvSpPr>
-        <p:spPr/>
-      </p:sp>
-      <mc:AlternateContent xmlns:mc="http://schemas.openxmlformats.org/markup-compatibility/2006">
-        <mc:Choice xmlns:a14="http://schemas.microsoft.com/office/drawing/2010/main" Requires="a14">
+        <p:spPr>
+          <a:xfrm>
+            <a:off x="1200150" y="1143000"/>
+            <a:ext cx="4457700" cy="3086100"/>
+          </a:xfrm>
+        </p:spPr>
+      </p:sp>
+      <mc:AlternateContent xmlns:mc="http://schemas.openxmlformats.org/markup-compatibility/2006" xmlns:a14="http://schemas.microsoft.com/office/drawing/2010/main">
+        <mc:Choice Requires="a14">
           <p:sp>
             <p:nvSpPr>
               <p:cNvPr id="3" name="Notes Placeholder 2"/>
@@ -1077,7 +1102,7 @@
             </p:txBody>
           </p:sp>
         </mc:Choice>
-        <mc:Fallback>
+        <mc:Fallback xmlns="">
           <p:sp>
             <p:nvSpPr>
               <p:cNvPr id="3" name="Notes Placeholder 2"/>
@@ -1183,7 +1208,12 @@
             <p:ph type="sldImg"/>
           </p:nvPr>
         </p:nvSpPr>
-        <p:spPr/>
+        <p:spPr>
+          <a:xfrm>
+            <a:off x="1200150" y="1143000"/>
+            <a:ext cx="4457700" cy="3086100"/>
+          </a:xfrm>
+        </p:spPr>
       </p:sp>
       <p:sp>
         <p:nvSpPr>
@@ -1270,10 +1300,15 @@
             <p:ph type="sldImg"/>
           </p:nvPr>
         </p:nvSpPr>
-        <p:spPr/>
-      </p:sp>
-      <mc:AlternateContent xmlns:mc="http://schemas.openxmlformats.org/markup-compatibility/2006">
-        <mc:Choice xmlns:a14="http://schemas.microsoft.com/office/drawing/2010/main" Requires="a14">
+        <p:spPr>
+          <a:xfrm>
+            <a:off x="1200150" y="1143000"/>
+            <a:ext cx="4457700" cy="3086100"/>
+          </a:xfrm>
+        </p:spPr>
+      </p:sp>
+      <mc:AlternateContent xmlns:mc="http://schemas.openxmlformats.org/markup-compatibility/2006" xmlns:a14="http://schemas.microsoft.com/office/drawing/2010/main">
+        <mc:Choice Requires="a14">
           <p:sp>
             <p:nvSpPr>
               <p:cNvPr id="3" name="Notes Placeholder 2"/>
@@ -1367,7 +1402,7 @@
             </p:txBody>
           </p:sp>
         </mc:Choice>
-        <mc:Fallback>
+        <mc:Fallback xmlns="">
           <p:sp>
             <p:nvSpPr>
               <p:cNvPr id="3" name="Notes Placeholder 2"/>
@@ -1465,10 +1500,15 @@
             <p:ph type="sldImg"/>
           </p:nvPr>
         </p:nvSpPr>
-        <p:spPr/>
-      </p:sp>
-      <mc:AlternateContent xmlns:mc="http://schemas.openxmlformats.org/markup-compatibility/2006">
-        <mc:Choice xmlns:a14="http://schemas.microsoft.com/office/drawing/2010/main" Requires="a14">
+        <p:spPr>
+          <a:xfrm>
+            <a:off x="1200150" y="1143000"/>
+            <a:ext cx="4457700" cy="3086100"/>
+          </a:xfrm>
+        </p:spPr>
+      </p:sp>
+      <mc:AlternateContent xmlns:mc="http://schemas.openxmlformats.org/markup-compatibility/2006" xmlns:a14="http://schemas.microsoft.com/office/drawing/2010/main">
+        <mc:Choice Requires="a14">
           <p:sp>
             <p:nvSpPr>
               <p:cNvPr id="3" name="Notes Placeholder 2"/>
@@ -1537,7 +1577,7 @@
             </p:txBody>
           </p:sp>
         </mc:Choice>
-        <mc:Fallback>
+        <mc:Fallback xmlns="">
           <p:sp>
             <p:nvSpPr>
               <p:cNvPr id="3" name="Notes Placeholder 2"/>
@@ -1635,10 +1675,15 @@
             <p:ph type="sldImg"/>
           </p:nvPr>
         </p:nvSpPr>
-        <p:spPr/>
-      </p:sp>
-      <mc:AlternateContent xmlns:mc="http://schemas.openxmlformats.org/markup-compatibility/2006">
-        <mc:Choice xmlns:a14="http://schemas.microsoft.com/office/drawing/2010/main" Requires="a14">
+        <p:spPr>
+          <a:xfrm>
+            <a:off x="1200150" y="1143000"/>
+            <a:ext cx="4457700" cy="3086100"/>
+          </a:xfrm>
+        </p:spPr>
+      </p:sp>
+      <mc:AlternateContent xmlns:mc="http://schemas.openxmlformats.org/markup-compatibility/2006" xmlns:a14="http://schemas.microsoft.com/office/drawing/2010/main">
+        <mc:Choice Requires="a14">
           <p:sp>
             <p:nvSpPr>
               <p:cNvPr id="3" name="Notes Placeholder 2"/>
@@ -1688,7 +1733,7 @@
             </p:txBody>
           </p:sp>
         </mc:Choice>
-        <mc:Fallback>
+        <mc:Fallback xmlns="">
           <p:sp>
             <p:nvSpPr>
               <p:cNvPr id="3" name="Notes Placeholder 2"/>
@@ -1786,7 +1831,12 @@
             <p:ph type="sldImg"/>
           </p:nvPr>
         </p:nvSpPr>
-        <p:spPr/>
+        <p:spPr>
+          <a:xfrm>
+            <a:off x="1200150" y="1143000"/>
+            <a:ext cx="4457700" cy="3086100"/>
+          </a:xfrm>
+        </p:spPr>
       </p:sp>
       <p:sp>
         <p:nvSpPr>
@@ -1873,10 +1923,15 @@
             <p:ph type="sldImg"/>
           </p:nvPr>
         </p:nvSpPr>
-        <p:spPr/>
-      </p:sp>
-      <mc:AlternateContent xmlns:mc="http://schemas.openxmlformats.org/markup-compatibility/2006">
-        <mc:Choice xmlns:a14="http://schemas.microsoft.com/office/drawing/2010/main" Requires="a14">
+        <p:spPr>
+          <a:xfrm>
+            <a:off x="1200150" y="1143000"/>
+            <a:ext cx="4457700" cy="3086100"/>
+          </a:xfrm>
+        </p:spPr>
+      </p:sp>
+      <mc:AlternateContent xmlns:mc="http://schemas.openxmlformats.org/markup-compatibility/2006" xmlns:a14="http://schemas.microsoft.com/office/drawing/2010/main">
+        <mc:Choice Requires="a14">
           <p:sp>
             <p:nvSpPr>
               <p:cNvPr id="3" name="Notes Placeholder 2"/>
@@ -1920,7 +1975,7 @@
             </p:txBody>
           </p:sp>
         </mc:Choice>
-        <mc:Fallback>
+        <mc:Fallback xmlns="">
           <p:sp>
             <p:nvSpPr>
               <p:cNvPr id="3" name="Notes Placeholder 2"/>
@@ -2010,13 +2065,7 @@
       </p:grpSpPr>
       <p:sp>
         <p:nvSpPr>
-          <p:cNvPr id="2" name="Title 1">
-            <a:extLst>
-              <a:ext uri="{FF2B5EF4-FFF2-40B4-BE49-F238E27FC236}">
-                <a16:creationId xmlns:a16="http://schemas.microsoft.com/office/drawing/2014/main" id="{E79D1361-006B-F9DB-FB35-672FCC60EBB7}"/>
-              </a:ext>
-            </a:extLst>
-          </p:cNvPr>
+          <p:cNvPr id="2" name="Title 1"/>
           <p:cNvSpPr>
             <a:spLocks noGrp="1"/>
           </p:cNvSpPr>
@@ -2026,8 +2075,8 @@
         </p:nvSpPr>
         <p:spPr>
           <a:xfrm>
-            <a:off x="1524000" y="1122363"/>
-            <a:ext cx="9144000" cy="2387600"/>
+            <a:off x="742950" y="1122363"/>
+            <a:ext cx="8420100" cy="2387600"/>
           </a:xfrm>
         </p:spPr>
         <p:txBody>
@@ -2042,18 +2091,13 @@
               <a:rPr lang="en-US"/>
               <a:t>Click to edit Master title style</a:t>
             </a:r>
-          </a:p>
-        </p:txBody>
-      </p:sp>
-      <p:sp>
-        <p:nvSpPr>
-          <p:cNvPr id="3" name="Subtitle 2">
-            <a:extLst>
-              <a:ext uri="{FF2B5EF4-FFF2-40B4-BE49-F238E27FC236}">
-                <a16:creationId xmlns:a16="http://schemas.microsoft.com/office/drawing/2014/main" id="{4EB8BB5E-9B6A-5680-78E7-3C5A5FED7F60}"/>
-              </a:ext>
-            </a:extLst>
-          </p:cNvPr>
+            <a:endParaRPr lang="en-US" dirty="0"/>
+          </a:p>
+        </p:txBody>
+      </p:sp>
+      <p:sp>
+        <p:nvSpPr>
+          <p:cNvPr id="3" name="Subtitle 2"/>
           <p:cNvSpPr>
             <a:spLocks noGrp="1"/>
           </p:cNvSpPr>
@@ -2063,8 +2107,8 @@
         </p:nvSpPr>
         <p:spPr>
           <a:xfrm>
-            <a:off x="1524000" y="3602038"/>
-            <a:ext cx="9144000" cy="1655762"/>
+            <a:off x="1238250" y="3602038"/>
+            <a:ext cx="7429500" cy="1655762"/>
           </a:xfrm>
         </p:spPr>
         <p:txBody>
@@ -2112,18 +2156,13 @@
               <a:rPr lang="en-US"/>
               <a:t>Click to edit Master subtitle style</a:t>
             </a:r>
-          </a:p>
-        </p:txBody>
-      </p:sp>
-      <p:sp>
-        <p:nvSpPr>
-          <p:cNvPr id="4" name="Date Placeholder 3">
-            <a:extLst>
-              <a:ext uri="{FF2B5EF4-FFF2-40B4-BE49-F238E27FC236}">
-                <a16:creationId xmlns:a16="http://schemas.microsoft.com/office/drawing/2014/main" id="{B9E4D511-D7B0-1A67-7B50-ACBA36C9493D}"/>
-              </a:ext>
-            </a:extLst>
-          </p:cNvPr>
+            <a:endParaRPr lang="en-US" dirty="0"/>
+          </a:p>
+        </p:txBody>
+      </p:sp>
+      <p:sp>
+        <p:nvSpPr>
+          <p:cNvPr id="4" name="Date Placeholder 3"/>
           <p:cNvSpPr>
             <a:spLocks noGrp="1"/>
           </p:cNvSpPr>
@@ -2146,13 +2185,7 @@
       </p:sp>
       <p:sp>
         <p:nvSpPr>
-          <p:cNvPr id="5" name="Footer Placeholder 4">
-            <a:extLst>
-              <a:ext uri="{FF2B5EF4-FFF2-40B4-BE49-F238E27FC236}">
-                <a16:creationId xmlns:a16="http://schemas.microsoft.com/office/drawing/2014/main" id="{1FC629D9-CC6B-0066-7409-3570DB184008}"/>
-              </a:ext>
-            </a:extLst>
-          </p:cNvPr>
+          <p:cNvPr id="5" name="Footer Placeholder 4"/>
           <p:cNvSpPr>
             <a:spLocks noGrp="1"/>
           </p:cNvSpPr>
@@ -2171,13 +2204,7 @@
       </p:sp>
       <p:sp>
         <p:nvSpPr>
-          <p:cNvPr id="6" name="Slide Number Placeholder 5">
-            <a:extLst>
-              <a:ext uri="{FF2B5EF4-FFF2-40B4-BE49-F238E27FC236}">
-                <a16:creationId xmlns:a16="http://schemas.microsoft.com/office/drawing/2014/main" id="{615C7326-12B0-C28A-5F85-650EA30CB088}"/>
-              </a:ext>
-            </a:extLst>
-          </p:cNvPr>
+          <p:cNvPr id="6" name="Slide Number Placeholder 5"/>
           <p:cNvSpPr>
             <a:spLocks noGrp="1"/>
           </p:cNvSpPr>
@@ -2201,7 +2228,7 @@
     </p:spTree>
     <p:extLst>
       <p:ext uri="{BB962C8B-B14F-4D97-AF65-F5344CB8AC3E}">
-        <p14:creationId xmlns:p14="http://schemas.microsoft.com/office/powerpoint/2010/main" val="3321959097"/>
+        <p14:creationId xmlns:p14="http://schemas.microsoft.com/office/powerpoint/2010/main" val="399298858"/>
       </p:ext>
     </p:extLst>
   </p:cSld>
@@ -2230,13 +2257,7 @@
       </p:grpSpPr>
       <p:sp>
         <p:nvSpPr>
-          <p:cNvPr id="2" name="Title 1">
-            <a:extLst>
-              <a:ext uri="{FF2B5EF4-FFF2-40B4-BE49-F238E27FC236}">
-                <a16:creationId xmlns:a16="http://schemas.microsoft.com/office/drawing/2014/main" id="{EA586AF0-B78D-74C3-F068-B1F7088D145E}"/>
-              </a:ext>
-            </a:extLst>
-          </p:cNvPr>
+          <p:cNvPr id="2" name="Title 1"/>
           <p:cNvSpPr>
             <a:spLocks noGrp="1"/>
           </p:cNvSpPr>
@@ -2253,18 +2274,13 @@
               <a:rPr lang="en-US"/>
               <a:t>Click to edit Master title style</a:t>
             </a:r>
-          </a:p>
-        </p:txBody>
-      </p:sp>
-      <p:sp>
-        <p:nvSpPr>
-          <p:cNvPr id="3" name="Vertical Text Placeholder 2">
-            <a:extLst>
-              <a:ext uri="{FF2B5EF4-FFF2-40B4-BE49-F238E27FC236}">
-                <a16:creationId xmlns:a16="http://schemas.microsoft.com/office/drawing/2014/main" id="{5F6D91C0-0EC3-1680-DC8F-0A0447891925}"/>
-              </a:ext>
-            </a:extLst>
-          </p:cNvPr>
+            <a:endParaRPr lang="en-US" dirty="0"/>
+          </a:p>
+        </p:txBody>
+      </p:sp>
+      <p:sp>
+        <p:nvSpPr>
+          <p:cNvPr id="3" name="Vertical Text Placeholder 2"/>
           <p:cNvSpPr>
             <a:spLocks noGrp="1"/>
           </p:cNvSpPr>
@@ -2310,18 +2326,13 @@
               <a:rPr lang="en-US"/>
               <a:t>Fifth level</a:t>
             </a:r>
-          </a:p>
-        </p:txBody>
-      </p:sp>
-      <p:sp>
-        <p:nvSpPr>
-          <p:cNvPr id="4" name="Date Placeholder 3">
-            <a:extLst>
-              <a:ext uri="{FF2B5EF4-FFF2-40B4-BE49-F238E27FC236}">
-                <a16:creationId xmlns:a16="http://schemas.microsoft.com/office/drawing/2014/main" id="{C466A671-B51A-250D-388B-6225DCC92D49}"/>
-              </a:ext>
-            </a:extLst>
-          </p:cNvPr>
+            <a:endParaRPr lang="en-US" dirty="0"/>
+          </a:p>
+        </p:txBody>
+      </p:sp>
+      <p:sp>
+        <p:nvSpPr>
+          <p:cNvPr id="4" name="Date Placeholder 3"/>
           <p:cNvSpPr>
             <a:spLocks noGrp="1"/>
           </p:cNvSpPr>
@@ -2344,13 +2355,7 @@
       </p:sp>
       <p:sp>
         <p:nvSpPr>
-          <p:cNvPr id="5" name="Footer Placeholder 4">
-            <a:extLst>
-              <a:ext uri="{FF2B5EF4-FFF2-40B4-BE49-F238E27FC236}">
-                <a16:creationId xmlns:a16="http://schemas.microsoft.com/office/drawing/2014/main" id="{0CE0F617-AE59-25B1-479D-D0377FDBF6E7}"/>
-              </a:ext>
-            </a:extLst>
-          </p:cNvPr>
+          <p:cNvPr id="5" name="Footer Placeholder 4"/>
           <p:cNvSpPr>
             <a:spLocks noGrp="1"/>
           </p:cNvSpPr>
@@ -2369,13 +2374,7 @@
       </p:sp>
       <p:sp>
         <p:nvSpPr>
-          <p:cNvPr id="6" name="Slide Number Placeholder 5">
-            <a:extLst>
-              <a:ext uri="{FF2B5EF4-FFF2-40B4-BE49-F238E27FC236}">
-                <a16:creationId xmlns:a16="http://schemas.microsoft.com/office/drawing/2014/main" id="{BB0FEF7C-9981-9E24-3390-2AABF5FBB78D}"/>
-              </a:ext>
-            </a:extLst>
-          </p:cNvPr>
+          <p:cNvPr id="6" name="Slide Number Placeholder 5"/>
           <p:cNvSpPr>
             <a:spLocks noGrp="1"/>
           </p:cNvSpPr>
@@ -2399,7 +2398,7 @@
     </p:spTree>
     <p:extLst>
       <p:ext uri="{BB962C8B-B14F-4D97-AF65-F5344CB8AC3E}">
-        <p14:creationId xmlns:p14="http://schemas.microsoft.com/office/powerpoint/2010/main" val="1102650383"/>
+        <p14:creationId xmlns:p14="http://schemas.microsoft.com/office/powerpoint/2010/main" val="250814390"/>
       </p:ext>
     </p:extLst>
   </p:cSld>
@@ -2428,13 +2427,7 @@
       </p:grpSpPr>
       <p:sp>
         <p:nvSpPr>
-          <p:cNvPr id="2" name="Vertical Title 1">
-            <a:extLst>
-              <a:ext uri="{FF2B5EF4-FFF2-40B4-BE49-F238E27FC236}">
-                <a16:creationId xmlns:a16="http://schemas.microsoft.com/office/drawing/2014/main" id="{E04D2808-A1B9-559F-7EC9-F97D8C5E1E0C}"/>
-              </a:ext>
-            </a:extLst>
-          </p:cNvPr>
+          <p:cNvPr id="2" name="Vertical Title 1"/>
           <p:cNvSpPr>
             <a:spLocks noGrp="1"/>
           </p:cNvSpPr>
@@ -2444,8 +2437,8 @@
         </p:nvSpPr>
         <p:spPr>
           <a:xfrm>
-            <a:off x="8724900" y="365125"/>
-            <a:ext cx="2628900" cy="5811838"/>
+            <a:off x="7088982" y="365125"/>
+            <a:ext cx="2135981" cy="5811838"/>
           </a:xfrm>
         </p:spPr>
         <p:txBody>
@@ -2456,18 +2449,13 @@
               <a:rPr lang="en-US"/>
               <a:t>Click to edit Master title style</a:t>
             </a:r>
-          </a:p>
-        </p:txBody>
-      </p:sp>
-      <p:sp>
-        <p:nvSpPr>
-          <p:cNvPr id="3" name="Vertical Text Placeholder 2">
-            <a:extLst>
-              <a:ext uri="{FF2B5EF4-FFF2-40B4-BE49-F238E27FC236}">
-                <a16:creationId xmlns:a16="http://schemas.microsoft.com/office/drawing/2014/main" id="{B84E6ED4-70A5-C1FB-9588-73401F6FBA0B}"/>
-              </a:ext>
-            </a:extLst>
-          </p:cNvPr>
+            <a:endParaRPr lang="en-US" dirty="0"/>
+          </a:p>
+        </p:txBody>
+      </p:sp>
+      <p:sp>
+        <p:nvSpPr>
+          <p:cNvPr id="3" name="Vertical Text Placeholder 2"/>
           <p:cNvSpPr>
             <a:spLocks noGrp="1"/>
           </p:cNvSpPr>
@@ -2477,8 +2465,8 @@
         </p:nvSpPr>
         <p:spPr>
           <a:xfrm>
-            <a:off x="838200" y="365125"/>
-            <a:ext cx="7734300" cy="5811838"/>
+            <a:off x="681038" y="365125"/>
+            <a:ext cx="6284119" cy="5811838"/>
           </a:xfrm>
         </p:spPr>
         <p:txBody>
@@ -2518,18 +2506,13 @@
               <a:rPr lang="en-US"/>
               <a:t>Fifth level</a:t>
             </a:r>
-          </a:p>
-        </p:txBody>
-      </p:sp>
-      <p:sp>
-        <p:nvSpPr>
-          <p:cNvPr id="4" name="Date Placeholder 3">
-            <a:extLst>
-              <a:ext uri="{FF2B5EF4-FFF2-40B4-BE49-F238E27FC236}">
-                <a16:creationId xmlns:a16="http://schemas.microsoft.com/office/drawing/2014/main" id="{75CD0C46-DFEC-A2F7-586E-2E6539D6318F}"/>
-              </a:ext>
-            </a:extLst>
-          </p:cNvPr>
+            <a:endParaRPr lang="en-US" dirty="0"/>
+          </a:p>
+        </p:txBody>
+      </p:sp>
+      <p:sp>
+        <p:nvSpPr>
+          <p:cNvPr id="4" name="Date Placeholder 3"/>
           <p:cNvSpPr>
             <a:spLocks noGrp="1"/>
           </p:cNvSpPr>
@@ -2552,13 +2535,7 @@
       </p:sp>
       <p:sp>
         <p:nvSpPr>
-          <p:cNvPr id="5" name="Footer Placeholder 4">
-            <a:extLst>
-              <a:ext uri="{FF2B5EF4-FFF2-40B4-BE49-F238E27FC236}">
-                <a16:creationId xmlns:a16="http://schemas.microsoft.com/office/drawing/2014/main" id="{FABA852B-EAD7-01C6-6D76-8FB26541FDA6}"/>
-              </a:ext>
-            </a:extLst>
-          </p:cNvPr>
+          <p:cNvPr id="5" name="Footer Placeholder 4"/>
           <p:cNvSpPr>
             <a:spLocks noGrp="1"/>
           </p:cNvSpPr>
@@ -2577,13 +2554,7 @@
       </p:sp>
       <p:sp>
         <p:nvSpPr>
-          <p:cNvPr id="6" name="Slide Number Placeholder 5">
-            <a:extLst>
-              <a:ext uri="{FF2B5EF4-FFF2-40B4-BE49-F238E27FC236}">
-                <a16:creationId xmlns:a16="http://schemas.microsoft.com/office/drawing/2014/main" id="{E280C125-78F6-DB3A-2507-19B634F0D6EA}"/>
-              </a:ext>
-            </a:extLst>
-          </p:cNvPr>
+          <p:cNvPr id="6" name="Slide Number Placeholder 5"/>
           <p:cNvSpPr>
             <a:spLocks noGrp="1"/>
           </p:cNvSpPr>
@@ -2607,7 +2578,7 @@
     </p:spTree>
     <p:extLst>
       <p:ext uri="{BB962C8B-B14F-4D97-AF65-F5344CB8AC3E}">
-        <p14:creationId xmlns:p14="http://schemas.microsoft.com/office/powerpoint/2010/main" val="2756552392"/>
+        <p14:creationId xmlns:p14="http://schemas.microsoft.com/office/powerpoint/2010/main" val="2556444995"/>
       </p:ext>
     </p:extLst>
   </p:cSld>
@@ -2636,13 +2607,7 @@
       </p:grpSpPr>
       <p:sp>
         <p:nvSpPr>
-          <p:cNvPr id="2" name="Title 1">
-            <a:extLst>
-              <a:ext uri="{FF2B5EF4-FFF2-40B4-BE49-F238E27FC236}">
-                <a16:creationId xmlns:a16="http://schemas.microsoft.com/office/drawing/2014/main" id="{C54DDB40-9536-0C2B-5024-9624A29158AC}"/>
-              </a:ext>
-            </a:extLst>
-          </p:cNvPr>
+          <p:cNvPr id="2" name="Title 1"/>
           <p:cNvSpPr>
             <a:spLocks noGrp="1"/>
           </p:cNvSpPr>
@@ -2659,18 +2624,13 @@
               <a:rPr lang="en-US"/>
               <a:t>Click to edit Master title style</a:t>
             </a:r>
-          </a:p>
-        </p:txBody>
-      </p:sp>
-      <p:sp>
-        <p:nvSpPr>
-          <p:cNvPr id="3" name="Content Placeholder 2">
-            <a:extLst>
-              <a:ext uri="{FF2B5EF4-FFF2-40B4-BE49-F238E27FC236}">
-                <a16:creationId xmlns:a16="http://schemas.microsoft.com/office/drawing/2014/main" id="{ECC714CA-5615-A412-4922-16D35EC693F9}"/>
-              </a:ext>
-            </a:extLst>
-          </p:cNvPr>
+            <a:endParaRPr lang="en-US" dirty="0"/>
+          </a:p>
+        </p:txBody>
+      </p:sp>
+      <p:sp>
+        <p:nvSpPr>
+          <p:cNvPr id="3" name="Content Placeholder 2"/>
           <p:cNvSpPr>
             <a:spLocks noGrp="1"/>
           </p:cNvSpPr>
@@ -2716,18 +2676,13 @@
               <a:rPr lang="en-US"/>
               <a:t>Fifth level</a:t>
             </a:r>
-          </a:p>
-        </p:txBody>
-      </p:sp>
-      <p:sp>
-        <p:nvSpPr>
-          <p:cNvPr id="4" name="Date Placeholder 3">
-            <a:extLst>
-              <a:ext uri="{FF2B5EF4-FFF2-40B4-BE49-F238E27FC236}">
-                <a16:creationId xmlns:a16="http://schemas.microsoft.com/office/drawing/2014/main" id="{B6325081-4F4C-DB6C-E5F0-CA87FD078DA4}"/>
-              </a:ext>
-            </a:extLst>
-          </p:cNvPr>
+            <a:endParaRPr lang="en-US" dirty="0"/>
+          </a:p>
+        </p:txBody>
+      </p:sp>
+      <p:sp>
+        <p:nvSpPr>
+          <p:cNvPr id="4" name="Date Placeholder 3"/>
           <p:cNvSpPr>
             <a:spLocks noGrp="1"/>
           </p:cNvSpPr>
@@ -2750,13 +2705,7 @@
       </p:sp>
       <p:sp>
         <p:nvSpPr>
-          <p:cNvPr id="5" name="Footer Placeholder 4">
-            <a:extLst>
-              <a:ext uri="{FF2B5EF4-FFF2-40B4-BE49-F238E27FC236}">
-                <a16:creationId xmlns:a16="http://schemas.microsoft.com/office/drawing/2014/main" id="{EF76F014-FE3F-FF3D-41C2-D7C458F19087}"/>
-              </a:ext>
-            </a:extLst>
-          </p:cNvPr>
+          <p:cNvPr id="5" name="Footer Placeholder 4"/>
           <p:cNvSpPr>
             <a:spLocks noGrp="1"/>
           </p:cNvSpPr>
@@ -2775,13 +2724,7 @@
       </p:sp>
       <p:sp>
         <p:nvSpPr>
-          <p:cNvPr id="6" name="Slide Number Placeholder 5">
-            <a:extLst>
-              <a:ext uri="{FF2B5EF4-FFF2-40B4-BE49-F238E27FC236}">
-                <a16:creationId xmlns:a16="http://schemas.microsoft.com/office/drawing/2014/main" id="{7B90EAEA-132E-5BC5-42A8-039A2A8893E3}"/>
-              </a:ext>
-            </a:extLst>
-          </p:cNvPr>
+          <p:cNvPr id="6" name="Slide Number Placeholder 5"/>
           <p:cNvSpPr>
             <a:spLocks noGrp="1"/>
           </p:cNvSpPr>
@@ -2805,7 +2748,7 @@
     </p:spTree>
     <p:extLst>
       <p:ext uri="{BB962C8B-B14F-4D97-AF65-F5344CB8AC3E}">
-        <p14:creationId xmlns:p14="http://schemas.microsoft.com/office/powerpoint/2010/main" val="3725873547"/>
+        <p14:creationId xmlns:p14="http://schemas.microsoft.com/office/powerpoint/2010/main" val="3606148933"/>
       </p:ext>
     </p:extLst>
   </p:cSld>
@@ -2834,13 +2777,7 @@
       </p:grpSpPr>
       <p:sp>
         <p:nvSpPr>
-          <p:cNvPr id="2" name="Title 1">
-            <a:extLst>
-              <a:ext uri="{FF2B5EF4-FFF2-40B4-BE49-F238E27FC236}">
-                <a16:creationId xmlns:a16="http://schemas.microsoft.com/office/drawing/2014/main" id="{4911452C-F632-2529-534C-D26E9A1AC0F0}"/>
-              </a:ext>
-            </a:extLst>
-          </p:cNvPr>
+          <p:cNvPr id="2" name="Title 1"/>
           <p:cNvSpPr>
             <a:spLocks noGrp="1"/>
           </p:cNvSpPr>
@@ -2850,8 +2787,8 @@
         </p:nvSpPr>
         <p:spPr>
           <a:xfrm>
-            <a:off x="831850" y="1709738"/>
-            <a:ext cx="10515600" cy="2852737"/>
+            <a:off x="675879" y="1709740"/>
+            <a:ext cx="8543925" cy="2852737"/>
           </a:xfrm>
         </p:spPr>
         <p:txBody>
@@ -2866,18 +2803,13 @@
               <a:rPr lang="en-US"/>
               <a:t>Click to edit Master title style</a:t>
             </a:r>
-          </a:p>
-        </p:txBody>
-      </p:sp>
-      <p:sp>
-        <p:nvSpPr>
-          <p:cNvPr id="3" name="Text Placeholder 2">
-            <a:extLst>
-              <a:ext uri="{FF2B5EF4-FFF2-40B4-BE49-F238E27FC236}">
-                <a16:creationId xmlns:a16="http://schemas.microsoft.com/office/drawing/2014/main" id="{96260B5B-C044-A4F8-D155-C385D8FFB621}"/>
-              </a:ext>
-            </a:extLst>
-          </p:cNvPr>
+            <a:endParaRPr lang="en-US" dirty="0"/>
+          </a:p>
+        </p:txBody>
+      </p:sp>
+      <p:sp>
+        <p:nvSpPr>
+          <p:cNvPr id="3" name="Text Placeholder 2"/>
           <p:cNvSpPr>
             <a:spLocks noGrp="1"/>
           </p:cNvSpPr>
@@ -2887,8 +2819,8 @@
         </p:nvSpPr>
         <p:spPr>
           <a:xfrm>
-            <a:off x="831850" y="4589463"/>
-            <a:ext cx="10515600" cy="1500187"/>
+            <a:off x="675879" y="4589465"/>
+            <a:ext cx="8543925" cy="1500187"/>
           </a:xfrm>
         </p:spPr>
         <p:txBody>
@@ -2996,13 +2928,7 @@
       </p:sp>
       <p:sp>
         <p:nvSpPr>
-          <p:cNvPr id="4" name="Date Placeholder 3">
-            <a:extLst>
-              <a:ext uri="{FF2B5EF4-FFF2-40B4-BE49-F238E27FC236}">
-                <a16:creationId xmlns:a16="http://schemas.microsoft.com/office/drawing/2014/main" id="{4C7D89D8-64B0-484A-4828-A0507F89442D}"/>
-              </a:ext>
-            </a:extLst>
-          </p:cNvPr>
+          <p:cNvPr id="4" name="Date Placeholder 3"/>
           <p:cNvSpPr>
             <a:spLocks noGrp="1"/>
           </p:cNvSpPr>
@@ -3025,13 +2951,7 @@
       </p:sp>
       <p:sp>
         <p:nvSpPr>
-          <p:cNvPr id="5" name="Footer Placeholder 4">
-            <a:extLst>
-              <a:ext uri="{FF2B5EF4-FFF2-40B4-BE49-F238E27FC236}">
-                <a16:creationId xmlns:a16="http://schemas.microsoft.com/office/drawing/2014/main" id="{29B8D6BE-20F6-9E70-2544-7B23CD0593D9}"/>
-              </a:ext>
-            </a:extLst>
-          </p:cNvPr>
+          <p:cNvPr id="5" name="Footer Placeholder 4"/>
           <p:cNvSpPr>
             <a:spLocks noGrp="1"/>
           </p:cNvSpPr>
@@ -3050,13 +2970,7 @@
       </p:sp>
       <p:sp>
         <p:nvSpPr>
-          <p:cNvPr id="6" name="Slide Number Placeholder 5">
-            <a:extLst>
-              <a:ext uri="{FF2B5EF4-FFF2-40B4-BE49-F238E27FC236}">
-                <a16:creationId xmlns:a16="http://schemas.microsoft.com/office/drawing/2014/main" id="{B7D95E46-0199-5254-DA6C-51B8D351CE1F}"/>
-              </a:ext>
-            </a:extLst>
-          </p:cNvPr>
+          <p:cNvPr id="6" name="Slide Number Placeholder 5"/>
           <p:cNvSpPr>
             <a:spLocks noGrp="1"/>
           </p:cNvSpPr>
@@ -3080,7 +2994,7 @@
     </p:spTree>
     <p:extLst>
       <p:ext uri="{BB962C8B-B14F-4D97-AF65-F5344CB8AC3E}">
-        <p14:creationId xmlns:p14="http://schemas.microsoft.com/office/powerpoint/2010/main" val="2174855231"/>
+        <p14:creationId xmlns:p14="http://schemas.microsoft.com/office/powerpoint/2010/main" val="1073929818"/>
       </p:ext>
     </p:extLst>
   </p:cSld>
@@ -3109,13 +3023,7 @@
       </p:grpSpPr>
       <p:sp>
         <p:nvSpPr>
-          <p:cNvPr id="2" name="Title 1">
-            <a:extLst>
-              <a:ext uri="{FF2B5EF4-FFF2-40B4-BE49-F238E27FC236}">
-                <a16:creationId xmlns:a16="http://schemas.microsoft.com/office/drawing/2014/main" id="{A014BF27-E5BF-7D31-71C1-3E4F18D3B110}"/>
-              </a:ext>
-            </a:extLst>
-          </p:cNvPr>
+          <p:cNvPr id="2" name="Title 1"/>
           <p:cNvSpPr>
             <a:spLocks noGrp="1"/>
           </p:cNvSpPr>
@@ -3132,18 +3040,13 @@
               <a:rPr lang="en-US"/>
               <a:t>Click to edit Master title style</a:t>
             </a:r>
-          </a:p>
-        </p:txBody>
-      </p:sp>
-      <p:sp>
-        <p:nvSpPr>
-          <p:cNvPr id="3" name="Content Placeholder 2">
-            <a:extLst>
-              <a:ext uri="{FF2B5EF4-FFF2-40B4-BE49-F238E27FC236}">
-                <a16:creationId xmlns:a16="http://schemas.microsoft.com/office/drawing/2014/main" id="{81FEA3D9-624F-564A-780D-D564CDC669FE}"/>
-              </a:ext>
-            </a:extLst>
-          </p:cNvPr>
+            <a:endParaRPr lang="en-US" dirty="0"/>
+          </a:p>
+        </p:txBody>
+      </p:sp>
+      <p:sp>
+        <p:nvSpPr>
+          <p:cNvPr id="3" name="Content Placeholder 2"/>
           <p:cNvSpPr>
             <a:spLocks noGrp="1"/>
           </p:cNvSpPr>
@@ -3153,8 +3056,8 @@
         </p:nvSpPr>
         <p:spPr>
           <a:xfrm>
-            <a:off x="838200" y="1825625"/>
-            <a:ext cx="5181600" cy="4351338"/>
+            <a:off x="681038" y="1825625"/>
+            <a:ext cx="4210050" cy="4351338"/>
           </a:xfrm>
         </p:spPr>
         <p:txBody>
@@ -3194,18 +3097,13 @@
               <a:rPr lang="en-US"/>
               <a:t>Fifth level</a:t>
             </a:r>
-          </a:p>
-        </p:txBody>
-      </p:sp>
-      <p:sp>
-        <p:nvSpPr>
-          <p:cNvPr id="4" name="Content Placeholder 3">
-            <a:extLst>
-              <a:ext uri="{FF2B5EF4-FFF2-40B4-BE49-F238E27FC236}">
-                <a16:creationId xmlns:a16="http://schemas.microsoft.com/office/drawing/2014/main" id="{9CBE612E-847F-BA53-82EB-45D69C4601F0}"/>
-              </a:ext>
-            </a:extLst>
-          </p:cNvPr>
+            <a:endParaRPr lang="en-US" dirty="0"/>
+          </a:p>
+        </p:txBody>
+      </p:sp>
+      <p:sp>
+        <p:nvSpPr>
+          <p:cNvPr id="4" name="Content Placeholder 3"/>
           <p:cNvSpPr>
             <a:spLocks noGrp="1"/>
           </p:cNvSpPr>
@@ -3215,8 +3113,8 @@
         </p:nvSpPr>
         <p:spPr>
           <a:xfrm>
-            <a:off x="6172200" y="1825625"/>
-            <a:ext cx="5181600" cy="4351338"/>
+            <a:off x="5014913" y="1825625"/>
+            <a:ext cx="4210050" cy="4351338"/>
           </a:xfrm>
         </p:spPr>
         <p:txBody>
@@ -3256,18 +3154,13 @@
               <a:rPr lang="en-US"/>
               <a:t>Fifth level</a:t>
             </a:r>
-          </a:p>
-        </p:txBody>
-      </p:sp>
-      <p:sp>
-        <p:nvSpPr>
-          <p:cNvPr id="5" name="Date Placeholder 4">
-            <a:extLst>
-              <a:ext uri="{FF2B5EF4-FFF2-40B4-BE49-F238E27FC236}">
-                <a16:creationId xmlns:a16="http://schemas.microsoft.com/office/drawing/2014/main" id="{444AC5ED-41F3-53F5-25F1-97945B8A95AA}"/>
-              </a:ext>
-            </a:extLst>
-          </p:cNvPr>
+            <a:endParaRPr lang="en-US" dirty="0"/>
+          </a:p>
+        </p:txBody>
+      </p:sp>
+      <p:sp>
+        <p:nvSpPr>
+          <p:cNvPr id="5" name="Date Placeholder 4"/>
           <p:cNvSpPr>
             <a:spLocks noGrp="1"/>
           </p:cNvSpPr>
@@ -3290,13 +3183,7 @@
       </p:sp>
       <p:sp>
         <p:nvSpPr>
-          <p:cNvPr id="6" name="Footer Placeholder 5">
-            <a:extLst>
-              <a:ext uri="{FF2B5EF4-FFF2-40B4-BE49-F238E27FC236}">
-                <a16:creationId xmlns:a16="http://schemas.microsoft.com/office/drawing/2014/main" id="{D57A0C67-506F-311D-DAA4-44BA0955692F}"/>
-              </a:ext>
-            </a:extLst>
-          </p:cNvPr>
+          <p:cNvPr id="6" name="Footer Placeholder 5"/>
           <p:cNvSpPr>
             <a:spLocks noGrp="1"/>
           </p:cNvSpPr>
@@ -3315,13 +3202,7 @@
       </p:sp>
       <p:sp>
         <p:nvSpPr>
-          <p:cNvPr id="7" name="Slide Number Placeholder 6">
-            <a:extLst>
-              <a:ext uri="{FF2B5EF4-FFF2-40B4-BE49-F238E27FC236}">
-                <a16:creationId xmlns:a16="http://schemas.microsoft.com/office/drawing/2014/main" id="{24E13063-C259-AA38-E3B6-313672870C92}"/>
-              </a:ext>
-            </a:extLst>
-          </p:cNvPr>
+          <p:cNvPr id="7" name="Slide Number Placeholder 6"/>
           <p:cNvSpPr>
             <a:spLocks noGrp="1"/>
           </p:cNvSpPr>
@@ -3345,7 +3226,7 @@
     </p:spTree>
     <p:extLst>
       <p:ext uri="{BB962C8B-B14F-4D97-AF65-F5344CB8AC3E}">
-        <p14:creationId xmlns:p14="http://schemas.microsoft.com/office/powerpoint/2010/main" val="3767036609"/>
+        <p14:creationId xmlns:p14="http://schemas.microsoft.com/office/powerpoint/2010/main" val="774534822"/>
       </p:ext>
     </p:extLst>
   </p:cSld>
@@ -3374,13 +3255,7 @@
       </p:grpSpPr>
       <p:sp>
         <p:nvSpPr>
-          <p:cNvPr id="2" name="Title 1">
-            <a:extLst>
-              <a:ext uri="{FF2B5EF4-FFF2-40B4-BE49-F238E27FC236}">
-                <a16:creationId xmlns:a16="http://schemas.microsoft.com/office/drawing/2014/main" id="{7113200D-D227-A145-62BC-FAD1ECD84B30}"/>
-              </a:ext>
-            </a:extLst>
-          </p:cNvPr>
+          <p:cNvPr id="2" name="Title 1"/>
           <p:cNvSpPr>
             <a:spLocks noGrp="1"/>
           </p:cNvSpPr>
@@ -3390,8 +3265,8 @@
         </p:nvSpPr>
         <p:spPr>
           <a:xfrm>
-            <a:off x="839788" y="365125"/>
-            <a:ext cx="10515600" cy="1325563"/>
+            <a:off x="682328" y="365127"/>
+            <a:ext cx="8543925" cy="1325563"/>
           </a:xfrm>
         </p:spPr>
         <p:txBody>
@@ -3402,18 +3277,13 @@
               <a:rPr lang="en-US"/>
               <a:t>Click to edit Master title style</a:t>
             </a:r>
-          </a:p>
-        </p:txBody>
-      </p:sp>
-      <p:sp>
-        <p:nvSpPr>
-          <p:cNvPr id="3" name="Text Placeholder 2">
-            <a:extLst>
-              <a:ext uri="{FF2B5EF4-FFF2-40B4-BE49-F238E27FC236}">
-                <a16:creationId xmlns:a16="http://schemas.microsoft.com/office/drawing/2014/main" id="{2D5DFBE3-F0D3-A11A-7860-78A24F378209}"/>
-              </a:ext>
-            </a:extLst>
-          </p:cNvPr>
+            <a:endParaRPr lang="en-US" dirty="0"/>
+          </a:p>
+        </p:txBody>
+      </p:sp>
+      <p:sp>
+        <p:nvSpPr>
+          <p:cNvPr id="3" name="Text Placeholder 2"/>
           <p:cNvSpPr>
             <a:spLocks noGrp="1"/>
           </p:cNvSpPr>
@@ -3423,8 +3293,8 @@
         </p:nvSpPr>
         <p:spPr>
           <a:xfrm>
-            <a:off x="839788" y="1681163"/>
-            <a:ext cx="5157787" cy="823912"/>
+            <a:off x="682329" y="1681163"/>
+            <a:ext cx="4190702" cy="823912"/>
           </a:xfrm>
         </p:spPr>
         <p:txBody>
@@ -3478,13 +3348,7 @@
       </p:sp>
       <p:sp>
         <p:nvSpPr>
-          <p:cNvPr id="4" name="Content Placeholder 3">
-            <a:extLst>
-              <a:ext uri="{FF2B5EF4-FFF2-40B4-BE49-F238E27FC236}">
-                <a16:creationId xmlns:a16="http://schemas.microsoft.com/office/drawing/2014/main" id="{29DA6426-6B75-587F-B184-D9B0D2AA2FF5}"/>
-              </a:ext>
-            </a:extLst>
-          </p:cNvPr>
+          <p:cNvPr id="4" name="Content Placeholder 3"/>
           <p:cNvSpPr>
             <a:spLocks noGrp="1"/>
           </p:cNvSpPr>
@@ -3494,8 +3358,8 @@
         </p:nvSpPr>
         <p:spPr>
           <a:xfrm>
-            <a:off x="839788" y="2505075"/>
-            <a:ext cx="5157787" cy="3684588"/>
+            <a:off x="682329" y="2505075"/>
+            <a:ext cx="4190702" cy="3684588"/>
           </a:xfrm>
         </p:spPr>
         <p:txBody>
@@ -3535,18 +3399,13 @@
               <a:rPr lang="en-US"/>
               <a:t>Fifth level</a:t>
             </a:r>
-          </a:p>
-        </p:txBody>
-      </p:sp>
-      <p:sp>
-        <p:nvSpPr>
-          <p:cNvPr id="5" name="Text Placeholder 4">
-            <a:extLst>
-              <a:ext uri="{FF2B5EF4-FFF2-40B4-BE49-F238E27FC236}">
-                <a16:creationId xmlns:a16="http://schemas.microsoft.com/office/drawing/2014/main" id="{30237563-FDA2-EAE7-ED2A-4711F134A608}"/>
-              </a:ext>
-            </a:extLst>
-          </p:cNvPr>
+            <a:endParaRPr lang="en-US" dirty="0"/>
+          </a:p>
+        </p:txBody>
+      </p:sp>
+      <p:sp>
+        <p:nvSpPr>
+          <p:cNvPr id="5" name="Text Placeholder 4"/>
           <p:cNvSpPr>
             <a:spLocks noGrp="1"/>
           </p:cNvSpPr>
@@ -3556,8 +3415,8 @@
         </p:nvSpPr>
         <p:spPr>
           <a:xfrm>
-            <a:off x="6172200" y="1681163"/>
-            <a:ext cx="5183188" cy="823912"/>
+            <a:off x="5014913" y="1681163"/>
+            <a:ext cx="4211340" cy="823912"/>
           </a:xfrm>
         </p:spPr>
         <p:txBody>
@@ -3611,13 +3470,7 @@
       </p:sp>
       <p:sp>
         <p:nvSpPr>
-          <p:cNvPr id="6" name="Content Placeholder 5">
-            <a:extLst>
-              <a:ext uri="{FF2B5EF4-FFF2-40B4-BE49-F238E27FC236}">
-                <a16:creationId xmlns:a16="http://schemas.microsoft.com/office/drawing/2014/main" id="{60BA4F07-D4B7-DCE8-9CB5-8BD9D0DB1119}"/>
-              </a:ext>
-            </a:extLst>
-          </p:cNvPr>
+          <p:cNvPr id="6" name="Content Placeholder 5"/>
           <p:cNvSpPr>
             <a:spLocks noGrp="1"/>
           </p:cNvSpPr>
@@ -3627,8 +3480,8 @@
         </p:nvSpPr>
         <p:spPr>
           <a:xfrm>
-            <a:off x="6172200" y="2505075"/>
-            <a:ext cx="5183188" cy="3684588"/>
+            <a:off x="5014913" y="2505075"/>
+            <a:ext cx="4211340" cy="3684588"/>
           </a:xfrm>
         </p:spPr>
         <p:txBody>
@@ -3668,18 +3521,13 @@
               <a:rPr lang="en-US"/>
               <a:t>Fifth level</a:t>
             </a:r>
-          </a:p>
-        </p:txBody>
-      </p:sp>
-      <p:sp>
-        <p:nvSpPr>
-          <p:cNvPr id="7" name="Date Placeholder 6">
-            <a:extLst>
-              <a:ext uri="{FF2B5EF4-FFF2-40B4-BE49-F238E27FC236}">
-                <a16:creationId xmlns:a16="http://schemas.microsoft.com/office/drawing/2014/main" id="{8975A593-4FD1-5290-4664-6AECF4E34D61}"/>
-              </a:ext>
-            </a:extLst>
-          </p:cNvPr>
+            <a:endParaRPr lang="en-US" dirty="0"/>
+          </a:p>
+        </p:txBody>
+      </p:sp>
+      <p:sp>
+        <p:nvSpPr>
+          <p:cNvPr id="7" name="Date Placeholder 6"/>
           <p:cNvSpPr>
             <a:spLocks noGrp="1"/>
           </p:cNvSpPr>
@@ -3702,13 +3550,7 @@
       </p:sp>
       <p:sp>
         <p:nvSpPr>
-          <p:cNvPr id="8" name="Footer Placeholder 7">
-            <a:extLst>
-              <a:ext uri="{FF2B5EF4-FFF2-40B4-BE49-F238E27FC236}">
-                <a16:creationId xmlns:a16="http://schemas.microsoft.com/office/drawing/2014/main" id="{EDA86203-6E11-2840-5AE7-EB38535602FA}"/>
-              </a:ext>
-            </a:extLst>
-          </p:cNvPr>
+          <p:cNvPr id="8" name="Footer Placeholder 7"/>
           <p:cNvSpPr>
             <a:spLocks noGrp="1"/>
           </p:cNvSpPr>
@@ -3727,13 +3569,7 @@
       </p:sp>
       <p:sp>
         <p:nvSpPr>
-          <p:cNvPr id="9" name="Slide Number Placeholder 8">
-            <a:extLst>
-              <a:ext uri="{FF2B5EF4-FFF2-40B4-BE49-F238E27FC236}">
-                <a16:creationId xmlns:a16="http://schemas.microsoft.com/office/drawing/2014/main" id="{A2D25C95-2C7A-58B0-FF5E-40FAECDBCDC4}"/>
-              </a:ext>
-            </a:extLst>
-          </p:cNvPr>
+          <p:cNvPr id="9" name="Slide Number Placeholder 8"/>
           <p:cNvSpPr>
             <a:spLocks noGrp="1"/>
           </p:cNvSpPr>
@@ -3757,7 +3593,7 @@
     </p:spTree>
     <p:extLst>
       <p:ext uri="{BB962C8B-B14F-4D97-AF65-F5344CB8AC3E}">
-        <p14:creationId xmlns:p14="http://schemas.microsoft.com/office/powerpoint/2010/main" val="1800343821"/>
+        <p14:creationId xmlns:p14="http://schemas.microsoft.com/office/powerpoint/2010/main" val="2929985150"/>
       </p:ext>
     </p:extLst>
   </p:cSld>
@@ -3786,13 +3622,7 @@
       </p:grpSpPr>
       <p:sp>
         <p:nvSpPr>
-          <p:cNvPr id="2" name="Title 1">
-            <a:extLst>
-              <a:ext uri="{FF2B5EF4-FFF2-40B4-BE49-F238E27FC236}">
-                <a16:creationId xmlns:a16="http://schemas.microsoft.com/office/drawing/2014/main" id="{E1A6B822-5F11-EE16-3A4D-BEA05698887B}"/>
-              </a:ext>
-            </a:extLst>
-          </p:cNvPr>
+          <p:cNvPr id="2" name="Title 1"/>
           <p:cNvSpPr>
             <a:spLocks noGrp="1"/>
           </p:cNvSpPr>
@@ -3809,18 +3639,13 @@
               <a:rPr lang="en-US"/>
               <a:t>Click to edit Master title style</a:t>
             </a:r>
-          </a:p>
-        </p:txBody>
-      </p:sp>
-      <p:sp>
-        <p:nvSpPr>
-          <p:cNvPr id="3" name="Date Placeholder 2">
-            <a:extLst>
-              <a:ext uri="{FF2B5EF4-FFF2-40B4-BE49-F238E27FC236}">
-                <a16:creationId xmlns:a16="http://schemas.microsoft.com/office/drawing/2014/main" id="{7995A837-306B-5A45-334B-2EDEC96AF188}"/>
-              </a:ext>
-            </a:extLst>
-          </p:cNvPr>
+            <a:endParaRPr lang="en-US" dirty="0"/>
+          </a:p>
+        </p:txBody>
+      </p:sp>
+      <p:sp>
+        <p:nvSpPr>
+          <p:cNvPr id="3" name="Date Placeholder 2"/>
           <p:cNvSpPr>
             <a:spLocks noGrp="1"/>
           </p:cNvSpPr>
@@ -3843,13 +3668,7 @@
       </p:sp>
       <p:sp>
         <p:nvSpPr>
-          <p:cNvPr id="4" name="Footer Placeholder 3">
-            <a:extLst>
-              <a:ext uri="{FF2B5EF4-FFF2-40B4-BE49-F238E27FC236}">
-                <a16:creationId xmlns:a16="http://schemas.microsoft.com/office/drawing/2014/main" id="{ADE16A6F-1593-9C2F-0967-9DC6D8C415CA}"/>
-              </a:ext>
-            </a:extLst>
-          </p:cNvPr>
+          <p:cNvPr id="4" name="Footer Placeholder 3"/>
           <p:cNvSpPr>
             <a:spLocks noGrp="1"/>
           </p:cNvSpPr>
@@ -3868,13 +3687,7 @@
       </p:sp>
       <p:sp>
         <p:nvSpPr>
-          <p:cNvPr id="5" name="Slide Number Placeholder 4">
-            <a:extLst>
-              <a:ext uri="{FF2B5EF4-FFF2-40B4-BE49-F238E27FC236}">
-                <a16:creationId xmlns:a16="http://schemas.microsoft.com/office/drawing/2014/main" id="{73A1FD67-7608-636F-D344-8C3BB39EBDB2}"/>
-              </a:ext>
-            </a:extLst>
-          </p:cNvPr>
+          <p:cNvPr id="5" name="Slide Number Placeholder 4"/>
           <p:cNvSpPr>
             <a:spLocks noGrp="1"/>
           </p:cNvSpPr>
@@ -3898,7 +3711,7 @@
     </p:spTree>
     <p:extLst>
       <p:ext uri="{BB962C8B-B14F-4D97-AF65-F5344CB8AC3E}">
-        <p14:creationId xmlns:p14="http://schemas.microsoft.com/office/powerpoint/2010/main" val="532538603"/>
+        <p14:creationId xmlns:p14="http://schemas.microsoft.com/office/powerpoint/2010/main" val="4079266667"/>
       </p:ext>
     </p:extLst>
   </p:cSld>
@@ -3927,13 +3740,7 @@
       </p:grpSpPr>
       <p:sp>
         <p:nvSpPr>
-          <p:cNvPr id="2" name="Date Placeholder 1">
-            <a:extLst>
-              <a:ext uri="{FF2B5EF4-FFF2-40B4-BE49-F238E27FC236}">
-                <a16:creationId xmlns:a16="http://schemas.microsoft.com/office/drawing/2014/main" id="{B2D85CA9-5923-EA09-FCC8-A7D42750902C}"/>
-              </a:ext>
-            </a:extLst>
-          </p:cNvPr>
+          <p:cNvPr id="2" name="Date Placeholder 1"/>
           <p:cNvSpPr>
             <a:spLocks noGrp="1"/>
           </p:cNvSpPr>
@@ -3956,13 +3763,7 @@
       </p:sp>
       <p:sp>
         <p:nvSpPr>
-          <p:cNvPr id="3" name="Footer Placeholder 2">
-            <a:extLst>
-              <a:ext uri="{FF2B5EF4-FFF2-40B4-BE49-F238E27FC236}">
-                <a16:creationId xmlns:a16="http://schemas.microsoft.com/office/drawing/2014/main" id="{053148E9-CE15-0CF0-67AD-E0EB9710F300}"/>
-              </a:ext>
-            </a:extLst>
-          </p:cNvPr>
+          <p:cNvPr id="3" name="Footer Placeholder 2"/>
           <p:cNvSpPr>
             <a:spLocks noGrp="1"/>
           </p:cNvSpPr>
@@ -3981,13 +3782,7 @@
       </p:sp>
       <p:sp>
         <p:nvSpPr>
-          <p:cNvPr id="4" name="Slide Number Placeholder 3">
-            <a:extLst>
-              <a:ext uri="{FF2B5EF4-FFF2-40B4-BE49-F238E27FC236}">
-                <a16:creationId xmlns:a16="http://schemas.microsoft.com/office/drawing/2014/main" id="{30D03703-1326-4F77-B552-1D1E8FCF4C4C}"/>
-              </a:ext>
-            </a:extLst>
-          </p:cNvPr>
+          <p:cNvPr id="4" name="Slide Number Placeholder 3"/>
           <p:cNvSpPr>
             <a:spLocks noGrp="1"/>
           </p:cNvSpPr>
@@ -4011,7 +3806,7 @@
     </p:spTree>
     <p:extLst>
       <p:ext uri="{BB962C8B-B14F-4D97-AF65-F5344CB8AC3E}">
-        <p14:creationId xmlns:p14="http://schemas.microsoft.com/office/powerpoint/2010/main" val="654838659"/>
+        <p14:creationId xmlns:p14="http://schemas.microsoft.com/office/powerpoint/2010/main" val="2496156246"/>
       </p:ext>
     </p:extLst>
   </p:cSld>
@@ -4040,13 +3835,7 @@
       </p:grpSpPr>
       <p:sp>
         <p:nvSpPr>
-          <p:cNvPr id="2" name="Title 1">
-            <a:extLst>
-              <a:ext uri="{FF2B5EF4-FFF2-40B4-BE49-F238E27FC236}">
-                <a16:creationId xmlns:a16="http://schemas.microsoft.com/office/drawing/2014/main" id="{F41DC393-06B5-DFAB-C892-7F31989C11A3}"/>
-              </a:ext>
-            </a:extLst>
-          </p:cNvPr>
+          <p:cNvPr id="2" name="Title 1"/>
           <p:cNvSpPr>
             <a:spLocks noGrp="1"/>
           </p:cNvSpPr>
@@ -4056,8 +3845,8 @@
         </p:nvSpPr>
         <p:spPr>
           <a:xfrm>
-            <a:off x="839788" y="457200"/>
-            <a:ext cx="3932237" cy="1600200"/>
+            <a:off x="682328" y="457200"/>
+            <a:ext cx="3194943" cy="1600200"/>
           </a:xfrm>
         </p:spPr>
         <p:txBody>
@@ -4072,18 +3861,13 @@
               <a:rPr lang="en-US"/>
               <a:t>Click to edit Master title style</a:t>
             </a:r>
-          </a:p>
-        </p:txBody>
-      </p:sp>
-      <p:sp>
-        <p:nvSpPr>
-          <p:cNvPr id="3" name="Content Placeholder 2">
-            <a:extLst>
-              <a:ext uri="{FF2B5EF4-FFF2-40B4-BE49-F238E27FC236}">
-                <a16:creationId xmlns:a16="http://schemas.microsoft.com/office/drawing/2014/main" id="{FB67403F-DD8D-9356-7091-ADF2E268E7DC}"/>
-              </a:ext>
-            </a:extLst>
-          </p:cNvPr>
+            <a:endParaRPr lang="en-US" dirty="0"/>
+          </a:p>
+        </p:txBody>
+      </p:sp>
+      <p:sp>
+        <p:nvSpPr>
+          <p:cNvPr id="3" name="Content Placeholder 2"/>
           <p:cNvSpPr>
             <a:spLocks noGrp="1"/>
           </p:cNvSpPr>
@@ -4093,8 +3877,8 @@
         </p:nvSpPr>
         <p:spPr>
           <a:xfrm>
-            <a:off x="5183188" y="987425"/>
-            <a:ext cx="6172200" cy="4873625"/>
+            <a:off x="4211340" y="987427"/>
+            <a:ext cx="5014913" cy="4873625"/>
           </a:xfrm>
         </p:spPr>
         <p:txBody>
@@ -4162,18 +3946,13 @@
               <a:rPr lang="en-US"/>
               <a:t>Fifth level</a:t>
             </a:r>
-          </a:p>
-        </p:txBody>
-      </p:sp>
-      <p:sp>
-        <p:nvSpPr>
-          <p:cNvPr id="4" name="Text Placeholder 3">
-            <a:extLst>
-              <a:ext uri="{FF2B5EF4-FFF2-40B4-BE49-F238E27FC236}">
-                <a16:creationId xmlns:a16="http://schemas.microsoft.com/office/drawing/2014/main" id="{23D22F7A-BE53-42FD-7DB5-7F0102373AE1}"/>
-              </a:ext>
-            </a:extLst>
-          </p:cNvPr>
+            <a:endParaRPr lang="en-US" dirty="0"/>
+          </a:p>
+        </p:txBody>
+      </p:sp>
+      <p:sp>
+        <p:nvSpPr>
+          <p:cNvPr id="4" name="Text Placeholder 3"/>
           <p:cNvSpPr>
             <a:spLocks noGrp="1"/>
           </p:cNvSpPr>
@@ -4183,8 +3962,8 @@
         </p:nvSpPr>
         <p:spPr>
           <a:xfrm>
-            <a:off x="839788" y="2057400"/>
-            <a:ext cx="3932237" cy="3811588"/>
+            <a:off x="682328" y="2057400"/>
+            <a:ext cx="3194943" cy="3811588"/>
           </a:xfrm>
         </p:spPr>
         <p:txBody>
@@ -4238,13 +4017,7 @@
       </p:sp>
       <p:sp>
         <p:nvSpPr>
-          <p:cNvPr id="5" name="Date Placeholder 4">
-            <a:extLst>
-              <a:ext uri="{FF2B5EF4-FFF2-40B4-BE49-F238E27FC236}">
-                <a16:creationId xmlns:a16="http://schemas.microsoft.com/office/drawing/2014/main" id="{138C7F58-8167-E07F-6A3C-3A4504B9E2E8}"/>
-              </a:ext>
-            </a:extLst>
-          </p:cNvPr>
+          <p:cNvPr id="5" name="Date Placeholder 4"/>
           <p:cNvSpPr>
             <a:spLocks noGrp="1"/>
           </p:cNvSpPr>
@@ -4267,13 +4040,7 @@
       </p:sp>
       <p:sp>
         <p:nvSpPr>
-          <p:cNvPr id="6" name="Footer Placeholder 5">
-            <a:extLst>
-              <a:ext uri="{FF2B5EF4-FFF2-40B4-BE49-F238E27FC236}">
-                <a16:creationId xmlns:a16="http://schemas.microsoft.com/office/drawing/2014/main" id="{39D82C74-F2FA-ABCD-7901-44379CF8022B}"/>
-              </a:ext>
-            </a:extLst>
-          </p:cNvPr>
+          <p:cNvPr id="6" name="Footer Placeholder 5"/>
           <p:cNvSpPr>
             <a:spLocks noGrp="1"/>
           </p:cNvSpPr>
@@ -4292,13 +4059,7 @@
       </p:sp>
       <p:sp>
         <p:nvSpPr>
-          <p:cNvPr id="7" name="Slide Number Placeholder 6">
-            <a:extLst>
-              <a:ext uri="{FF2B5EF4-FFF2-40B4-BE49-F238E27FC236}">
-                <a16:creationId xmlns:a16="http://schemas.microsoft.com/office/drawing/2014/main" id="{3D8E95D9-7721-56C0-450E-BF0A6255C0B7}"/>
-              </a:ext>
-            </a:extLst>
-          </p:cNvPr>
+          <p:cNvPr id="7" name="Slide Number Placeholder 6"/>
           <p:cNvSpPr>
             <a:spLocks noGrp="1"/>
           </p:cNvSpPr>
@@ -4322,7 +4083,7 @@
     </p:spTree>
     <p:extLst>
       <p:ext uri="{BB962C8B-B14F-4D97-AF65-F5344CB8AC3E}">
-        <p14:creationId xmlns:p14="http://schemas.microsoft.com/office/powerpoint/2010/main" val="4186684009"/>
+        <p14:creationId xmlns:p14="http://schemas.microsoft.com/office/powerpoint/2010/main" val="609654838"/>
       </p:ext>
     </p:extLst>
   </p:cSld>
@@ -4351,13 +4112,7 @@
       </p:grpSpPr>
       <p:sp>
         <p:nvSpPr>
-          <p:cNvPr id="2" name="Title 1">
-            <a:extLst>
-              <a:ext uri="{FF2B5EF4-FFF2-40B4-BE49-F238E27FC236}">
-                <a16:creationId xmlns:a16="http://schemas.microsoft.com/office/drawing/2014/main" id="{2F94587D-AE24-D9B3-FF7D-CFCEAD558D1F}"/>
-              </a:ext>
-            </a:extLst>
-          </p:cNvPr>
+          <p:cNvPr id="2" name="Title 1"/>
           <p:cNvSpPr>
             <a:spLocks noGrp="1"/>
           </p:cNvSpPr>
@@ -4367,8 +4122,8 @@
         </p:nvSpPr>
         <p:spPr>
           <a:xfrm>
-            <a:off x="839788" y="457200"/>
-            <a:ext cx="3932237" cy="1600200"/>
+            <a:off x="682328" y="457200"/>
+            <a:ext cx="3194943" cy="1600200"/>
           </a:xfrm>
         </p:spPr>
         <p:txBody>
@@ -4383,20 +4138,15 @@
               <a:rPr lang="en-US"/>
               <a:t>Click to edit Master title style</a:t>
             </a:r>
-          </a:p>
-        </p:txBody>
-      </p:sp>
-      <p:sp>
-        <p:nvSpPr>
-          <p:cNvPr id="3" name="Picture Placeholder 2">
-            <a:extLst>
-              <a:ext uri="{FF2B5EF4-FFF2-40B4-BE49-F238E27FC236}">
-                <a16:creationId xmlns:a16="http://schemas.microsoft.com/office/drawing/2014/main" id="{25A92678-63F0-AA59-55D8-D6CB3AAB7E82}"/>
-              </a:ext>
-            </a:extLst>
-          </p:cNvPr>
-          <p:cNvSpPr>
-            <a:spLocks noGrp="1"/>
+            <a:endParaRPr lang="en-US" dirty="0"/>
+          </a:p>
+        </p:txBody>
+      </p:sp>
+      <p:sp>
+        <p:nvSpPr>
+          <p:cNvPr id="3" name="Picture Placeholder 2"/>
+          <p:cNvSpPr>
+            <a:spLocks noGrp="1" noChangeAspect="1"/>
           </p:cNvSpPr>
           <p:nvPr>
             <p:ph type="pic" idx="1"/>
@@ -4404,12 +4154,12 @@
         </p:nvSpPr>
         <p:spPr>
           <a:xfrm>
-            <a:off x="5183188" y="987425"/>
-            <a:ext cx="6172200" cy="4873625"/>
+            <a:off x="4211340" y="987427"/>
+            <a:ext cx="5014913" cy="4873625"/>
           </a:xfrm>
         </p:spPr>
         <p:txBody>
-          <a:bodyPr/>
+          <a:bodyPr anchor="t"/>
           <a:lstStyle>
             <a:lvl1pPr marL="0" indent="0">
               <a:buNone/>
@@ -4449,19 +4199,17 @@
             </a:lvl9pPr>
           </a:lstStyle>
           <a:p>
-            <a:endParaRPr lang="en-US"/>
-          </a:p>
-        </p:txBody>
-      </p:sp>
-      <p:sp>
-        <p:nvSpPr>
-          <p:cNvPr id="4" name="Text Placeholder 3">
-            <a:extLst>
-              <a:ext uri="{FF2B5EF4-FFF2-40B4-BE49-F238E27FC236}">
-                <a16:creationId xmlns:a16="http://schemas.microsoft.com/office/drawing/2014/main" id="{BD82C41E-E508-E82F-6878-9A9A079D39EE}"/>
-              </a:ext>
-            </a:extLst>
-          </p:cNvPr>
+            <a:r>
+              <a:rPr lang="en-US"/>
+              <a:t>Click icon to add picture</a:t>
+            </a:r>
+            <a:endParaRPr lang="en-US" dirty="0"/>
+          </a:p>
+        </p:txBody>
+      </p:sp>
+      <p:sp>
+        <p:nvSpPr>
+          <p:cNvPr id="4" name="Text Placeholder 3"/>
           <p:cNvSpPr>
             <a:spLocks noGrp="1"/>
           </p:cNvSpPr>
@@ -4471,8 +4219,8 @@
         </p:nvSpPr>
         <p:spPr>
           <a:xfrm>
-            <a:off x="839788" y="2057400"/>
-            <a:ext cx="3932237" cy="3811588"/>
+            <a:off x="682328" y="2057400"/>
+            <a:ext cx="3194943" cy="3811588"/>
           </a:xfrm>
         </p:spPr>
         <p:txBody>
@@ -4526,13 +4274,7 @@
       </p:sp>
       <p:sp>
         <p:nvSpPr>
-          <p:cNvPr id="5" name="Date Placeholder 4">
-            <a:extLst>
-              <a:ext uri="{FF2B5EF4-FFF2-40B4-BE49-F238E27FC236}">
-                <a16:creationId xmlns:a16="http://schemas.microsoft.com/office/drawing/2014/main" id="{B3C0229E-153F-1853-8C73-395E721B00CC}"/>
-              </a:ext>
-            </a:extLst>
-          </p:cNvPr>
+          <p:cNvPr id="5" name="Date Placeholder 4"/>
           <p:cNvSpPr>
             <a:spLocks noGrp="1"/>
           </p:cNvSpPr>
@@ -4555,13 +4297,7 @@
       </p:sp>
       <p:sp>
         <p:nvSpPr>
-          <p:cNvPr id="6" name="Footer Placeholder 5">
-            <a:extLst>
-              <a:ext uri="{FF2B5EF4-FFF2-40B4-BE49-F238E27FC236}">
-                <a16:creationId xmlns:a16="http://schemas.microsoft.com/office/drawing/2014/main" id="{6619BD85-73E4-58AF-8AA4-DBBAD6147232}"/>
-              </a:ext>
-            </a:extLst>
-          </p:cNvPr>
+          <p:cNvPr id="6" name="Footer Placeholder 5"/>
           <p:cNvSpPr>
             <a:spLocks noGrp="1"/>
           </p:cNvSpPr>
@@ -4580,13 +4316,7 @@
       </p:sp>
       <p:sp>
         <p:nvSpPr>
-          <p:cNvPr id="7" name="Slide Number Placeholder 6">
-            <a:extLst>
-              <a:ext uri="{FF2B5EF4-FFF2-40B4-BE49-F238E27FC236}">
-                <a16:creationId xmlns:a16="http://schemas.microsoft.com/office/drawing/2014/main" id="{DD5D6F60-2326-4B05-DFCE-949943D2F6BB}"/>
-              </a:ext>
-            </a:extLst>
-          </p:cNvPr>
+          <p:cNvPr id="7" name="Slide Number Placeholder 6"/>
           <p:cNvSpPr>
             <a:spLocks noGrp="1"/>
           </p:cNvSpPr>
@@ -4610,7 +4340,7 @@
     </p:spTree>
     <p:extLst>
       <p:ext uri="{BB962C8B-B14F-4D97-AF65-F5344CB8AC3E}">
-        <p14:creationId xmlns:p14="http://schemas.microsoft.com/office/powerpoint/2010/main" val="2712443357"/>
+        <p14:creationId xmlns:p14="http://schemas.microsoft.com/office/powerpoint/2010/main" val="2994610792"/>
       </p:ext>
     </p:extLst>
   </p:cSld>
@@ -4644,13 +4374,7 @@
       </p:grpSpPr>
       <p:sp>
         <p:nvSpPr>
-          <p:cNvPr id="2" name="Title Placeholder 1">
-            <a:extLst>
-              <a:ext uri="{FF2B5EF4-FFF2-40B4-BE49-F238E27FC236}">
-                <a16:creationId xmlns:a16="http://schemas.microsoft.com/office/drawing/2014/main" id="{65064851-59C2-15E7-B551-772ECABBFC47}"/>
-              </a:ext>
-            </a:extLst>
-          </p:cNvPr>
+          <p:cNvPr id="2" name="Title Placeholder 1"/>
           <p:cNvSpPr>
             <a:spLocks noGrp="1"/>
           </p:cNvSpPr>
@@ -4660,8 +4384,8 @@
         </p:nvSpPr>
         <p:spPr>
           <a:xfrm>
-            <a:off x="838200" y="365125"/>
-            <a:ext cx="10515600" cy="1325563"/>
+            <a:off x="681038" y="365127"/>
+            <a:ext cx="8543925" cy="1325563"/>
           </a:xfrm>
           <a:prstGeom prst="rect">
             <a:avLst/>
@@ -4677,18 +4401,13 @@
               <a:rPr lang="en-US"/>
               <a:t>Click to edit Master title style</a:t>
             </a:r>
-          </a:p>
-        </p:txBody>
-      </p:sp>
-      <p:sp>
-        <p:nvSpPr>
-          <p:cNvPr id="3" name="Text Placeholder 2">
-            <a:extLst>
-              <a:ext uri="{FF2B5EF4-FFF2-40B4-BE49-F238E27FC236}">
-                <a16:creationId xmlns:a16="http://schemas.microsoft.com/office/drawing/2014/main" id="{A1EA677E-95E2-B514-1B35-85710B838598}"/>
-              </a:ext>
-            </a:extLst>
-          </p:cNvPr>
+            <a:endParaRPr lang="en-US" dirty="0"/>
+          </a:p>
+        </p:txBody>
+      </p:sp>
+      <p:sp>
+        <p:nvSpPr>
+          <p:cNvPr id="3" name="Text Placeholder 2"/>
           <p:cNvSpPr>
             <a:spLocks noGrp="1"/>
           </p:cNvSpPr>
@@ -4698,8 +4417,8 @@
         </p:nvSpPr>
         <p:spPr>
           <a:xfrm>
-            <a:off x="838200" y="1825625"/>
-            <a:ext cx="10515600" cy="4351338"/>
+            <a:off x="681038" y="1825625"/>
+            <a:ext cx="8543925" cy="4351338"/>
           </a:xfrm>
           <a:prstGeom prst="rect">
             <a:avLst/>
@@ -4744,18 +4463,13 @@
               <a:rPr lang="en-US"/>
               <a:t>Fifth level</a:t>
             </a:r>
-          </a:p>
-        </p:txBody>
-      </p:sp>
-      <p:sp>
-        <p:nvSpPr>
-          <p:cNvPr id="4" name="Date Placeholder 3">
-            <a:extLst>
-              <a:ext uri="{FF2B5EF4-FFF2-40B4-BE49-F238E27FC236}">
-                <a16:creationId xmlns:a16="http://schemas.microsoft.com/office/drawing/2014/main" id="{05BE9DD3-8627-7BEA-68FF-97F2A52DD0D6}"/>
-              </a:ext>
-            </a:extLst>
-          </p:cNvPr>
+            <a:endParaRPr lang="en-US" dirty="0"/>
+          </a:p>
+        </p:txBody>
+      </p:sp>
+      <p:sp>
+        <p:nvSpPr>
+          <p:cNvPr id="4" name="Date Placeholder 3"/>
           <p:cNvSpPr>
             <a:spLocks noGrp="1"/>
           </p:cNvSpPr>
@@ -4765,8 +4479,8 @@
         </p:nvSpPr>
         <p:spPr>
           <a:xfrm>
-            <a:off x="838200" y="6356350"/>
-            <a:ext cx="2743200" cy="365125"/>
+            <a:off x="681038" y="6356352"/>
+            <a:ext cx="2228850" cy="365125"/>
           </a:xfrm>
           <a:prstGeom prst="rect">
             <a:avLst/>
@@ -4796,13 +4510,7 @@
       </p:sp>
       <p:sp>
         <p:nvSpPr>
-          <p:cNvPr id="5" name="Footer Placeholder 4">
-            <a:extLst>
-              <a:ext uri="{FF2B5EF4-FFF2-40B4-BE49-F238E27FC236}">
-                <a16:creationId xmlns:a16="http://schemas.microsoft.com/office/drawing/2014/main" id="{69C99325-47C7-2EB5-4B69-3B7B922F58F1}"/>
-              </a:ext>
-            </a:extLst>
-          </p:cNvPr>
+          <p:cNvPr id="5" name="Footer Placeholder 4"/>
           <p:cNvSpPr>
             <a:spLocks noGrp="1"/>
           </p:cNvSpPr>
@@ -4812,8 +4520,8 @@
         </p:nvSpPr>
         <p:spPr>
           <a:xfrm>
-            <a:off x="4038600" y="6356350"/>
-            <a:ext cx="4114800" cy="365125"/>
+            <a:off x="3281363" y="6356352"/>
+            <a:ext cx="3343275" cy="365125"/>
           </a:xfrm>
           <a:prstGeom prst="rect">
             <a:avLst/>
@@ -4839,13 +4547,7 @@
       </p:sp>
       <p:sp>
         <p:nvSpPr>
-          <p:cNvPr id="6" name="Slide Number Placeholder 5">
-            <a:extLst>
-              <a:ext uri="{FF2B5EF4-FFF2-40B4-BE49-F238E27FC236}">
-                <a16:creationId xmlns:a16="http://schemas.microsoft.com/office/drawing/2014/main" id="{C82C3C16-99D3-FD91-D551-9ACC4C2BD7EA}"/>
-              </a:ext>
-            </a:extLst>
-          </p:cNvPr>
+          <p:cNvPr id="6" name="Slide Number Placeholder 5"/>
           <p:cNvSpPr>
             <a:spLocks noGrp="1"/>
           </p:cNvSpPr>
@@ -4855,8 +4557,8 @@
         </p:nvSpPr>
         <p:spPr>
           <a:xfrm>
-            <a:off x="8610600" y="6356350"/>
-            <a:ext cx="2743200" cy="365125"/>
+            <a:off x="6996113" y="6356352"/>
+            <a:ext cx="2228850" cy="365125"/>
           </a:xfrm>
           <a:prstGeom prst="rect">
             <a:avLst/>
@@ -4887,23 +4589,23 @@
     </p:spTree>
     <p:extLst>
       <p:ext uri="{BB962C8B-B14F-4D97-AF65-F5344CB8AC3E}">
-        <p14:creationId xmlns:p14="http://schemas.microsoft.com/office/powerpoint/2010/main" val="1755122646"/>
+        <p14:creationId xmlns:p14="http://schemas.microsoft.com/office/powerpoint/2010/main" val="38743665"/>
       </p:ext>
     </p:extLst>
   </p:cSld>
   <p:clrMap bg1="lt1" tx1="dk1" bg2="lt2" tx2="dk2" accent1="accent1" accent2="accent2" accent3="accent3" accent4="accent4" accent5="accent5" accent6="accent6" hlink="hlink" folHlink="folHlink"/>
   <p:sldLayoutIdLst>
-    <p:sldLayoutId id="2147483649" r:id="rId1"/>
-    <p:sldLayoutId id="2147483650" r:id="rId2"/>
-    <p:sldLayoutId id="2147483651" r:id="rId3"/>
-    <p:sldLayoutId id="2147483652" r:id="rId4"/>
-    <p:sldLayoutId id="2147483653" r:id="rId5"/>
-    <p:sldLayoutId id="2147483654" r:id="rId6"/>
-    <p:sldLayoutId id="2147483655" r:id="rId7"/>
-    <p:sldLayoutId id="2147483656" r:id="rId8"/>
-    <p:sldLayoutId id="2147483657" r:id="rId9"/>
-    <p:sldLayoutId id="2147483658" r:id="rId10"/>
-    <p:sldLayoutId id="2147483659" r:id="rId11"/>
+    <p:sldLayoutId id="2147483661" r:id="rId1"/>
+    <p:sldLayoutId id="2147483662" r:id="rId2"/>
+    <p:sldLayoutId id="2147483663" r:id="rId3"/>
+    <p:sldLayoutId id="2147483664" r:id="rId4"/>
+    <p:sldLayoutId id="2147483665" r:id="rId5"/>
+    <p:sldLayoutId id="2147483666" r:id="rId6"/>
+    <p:sldLayoutId id="2147483667" r:id="rId7"/>
+    <p:sldLayoutId id="2147483668" r:id="rId8"/>
+    <p:sldLayoutId id="2147483669" r:id="rId9"/>
+    <p:sldLayoutId id="2147483670" r:id="rId10"/>
+    <p:sldLayoutId id="2147483671" r:id="rId11"/>
   </p:sldLayoutIdLst>
   <p:txStyles>
     <p:titleStyle>
@@ -5227,8 +4929,8 @@
         </p:blipFill>
         <p:spPr>
           <a:xfrm>
-            <a:off x="1384092" y="399536"/>
-            <a:ext cx="9423816" cy="5399360"/>
+            <a:off x="1124575" y="263025"/>
+            <a:ext cx="7656851" cy="4386980"/>
           </a:xfrm>
           <a:prstGeom prst="rect">
             <a:avLst/>
@@ -5251,8 +4953,8 @@
             </p:nvSpPr>
             <p:spPr>
               <a:xfrm>
-                <a:off x="4714408" y="5798896"/>
-                <a:ext cx="6093500" cy="369332"/>
+                <a:off x="3830456" y="4650005"/>
+                <a:ext cx="4950969" cy="317459"/>
               </a:xfrm>
               <a:prstGeom prst="rect">
                 <a:avLst/>
@@ -5267,37 +4969,37 @@
               <a:p>
                 <a:pPr algn="r"/>
                 <a:r>
-                  <a:rPr lang="en-US" b="1" dirty="0"/>
+                  <a:rPr lang="en-US" sz="1463" b="1" dirty="0"/>
                   <a:t>[</a:t>
                 </a:r>
                 <a14:m>
                   <m:oMath xmlns:m="http://schemas.openxmlformats.org/officeDocument/2006/math">
                     <m:r>
-                      <a:rPr lang="en-US" b="1" i="1" smtClean="0">
+                      <a:rPr lang="en-US" sz="1463" b="1" i="1">
                         <a:latin typeface="Cambria Math" panose="02040503050406030204" pitchFamily="18" charset="0"/>
                       </a:rPr>
                       <m:t>𝟒</m:t>
                     </m:r>
                     <m:r>
-                      <a:rPr lang="en-US" b="1" i="1" smtClean="0">
+                      <a:rPr lang="en-US" sz="1463" b="1" i="1">
                         <a:latin typeface="Cambria Math" panose="02040503050406030204" pitchFamily="18" charset="0"/>
                       </a:rPr>
                       <m:t>.</m:t>
                     </m:r>
                     <m:r>
-                      <a:rPr lang="en-US" b="1" i="1" smtClean="0">
+                      <a:rPr lang="en-US" sz="1463" b="1" i="1">
                         <a:latin typeface="Cambria Math" panose="02040503050406030204" pitchFamily="18" charset="0"/>
                       </a:rPr>
                       <m:t>𝟒</m:t>
                     </m:r>
                     <m:r>
-                      <a:rPr lang="en-US" b="1" i="1" smtClean="0">
+                      <a:rPr lang="en-US" sz="1463" b="1" i="1">
                         <a:latin typeface="Cambria Math" panose="02040503050406030204" pitchFamily="18" charset="0"/>
                       </a:rPr>
                       <m:t>𝝁</m:t>
                     </m:r>
                     <m:r>
-                      <a:rPr lang="en-US" b="1" i="1" smtClean="0">
+                      <a:rPr lang="en-US" sz="1463" b="1" i="1">
                         <a:latin typeface="Cambria Math" panose="02040503050406030204" pitchFamily="18" charset="0"/>
                       </a:rPr>
                       <m:t>𝑭</m:t>
@@ -5305,7 +5007,7 @@
                   </m:oMath>
                 </a14:m>
                 <a:r>
-                  <a:rPr lang="en-US" b="1" dirty="0"/>
+                  <a:rPr lang="en-US" sz="1463" b="1" dirty="0"/>
                   <a:t>; 4]</a:t>
                 </a:r>
               </a:p>
@@ -5329,8 +5031,8 @@
             </p:nvSpPr>
             <p:spPr>
               <a:xfrm>
-                <a:off x="4714408" y="5798896"/>
-                <a:ext cx="6093500" cy="369332"/>
+                <a:off x="3830456" y="4650005"/>
+                <a:ext cx="4950969" cy="317459"/>
               </a:xfrm>
               <a:prstGeom prst="rect">
                 <a:avLst/>
@@ -5338,7 +5040,7 @@
               <a:blipFill>
                 <a:blip r:embed="rId4"/>
                 <a:stretch>
-                  <a:fillRect t="-6557" r="-900" b="-26230"/>
+                  <a:fillRect t="-3846" r="-369" b="-19231"/>
                 </a:stretch>
               </a:blipFill>
             </p:spPr>
@@ -5415,8 +5117,8 @@
         </p:blipFill>
         <p:spPr>
           <a:xfrm>
-            <a:off x="1194592" y="262329"/>
-            <a:ext cx="9802816" cy="4564504"/>
+            <a:off x="970606" y="856080"/>
+            <a:ext cx="7964788" cy="3708660"/>
           </a:xfrm>
           <a:prstGeom prst="rect">
             <a:avLst/>
@@ -5439,8 +5141,8 @@
             </p:nvSpPr>
             <p:spPr>
               <a:xfrm>
-                <a:off x="4903908" y="4642167"/>
-                <a:ext cx="6093500" cy="369332"/>
+                <a:off x="3984425" y="4414699"/>
+                <a:ext cx="4950969" cy="317459"/>
               </a:xfrm>
               <a:prstGeom prst="rect">
                 <a:avLst/>
@@ -5455,19 +5157,19 @@
               <a:p>
                 <a:pPr algn="r"/>
                 <a:r>
-                  <a:rPr lang="en-US" b="1" dirty="0"/>
+                  <a:rPr lang="en-US" sz="1463" b="1" dirty="0"/>
                   <a:t>[8</a:t>
                 </a:r>
                 <a14:m>
                   <m:oMath xmlns:m="http://schemas.openxmlformats.org/officeDocument/2006/math">
                     <m:r>
-                      <a:rPr lang="en-US" b="1" i="1" smtClean="0">
+                      <a:rPr lang="en-US" sz="1463" b="1" i="1">
                         <a:latin typeface="Cambria Math" panose="02040503050406030204" pitchFamily="18" charset="0"/>
                       </a:rPr>
                       <m:t>𝝁</m:t>
                     </m:r>
                     <m:r>
-                      <a:rPr lang="en-US" b="1" i="1" smtClean="0">
+                      <a:rPr lang="en-US" sz="1463" b="1" i="1">
                         <a:latin typeface="Cambria Math" panose="02040503050406030204" pitchFamily="18" charset="0"/>
                       </a:rPr>
                       <m:t>𝑭</m:t>
@@ -5475,19 +5177,19 @@
                   </m:oMath>
                 </a14:m>
                 <a:r>
-                  <a:rPr lang="en-US" b="1" dirty="0"/>
+                  <a:rPr lang="en-US" sz="1463" b="1" dirty="0"/>
                   <a:t>; 36</a:t>
                 </a:r>
                 <a14:m>
                   <m:oMath xmlns:m="http://schemas.openxmlformats.org/officeDocument/2006/math">
                     <m:r>
-                      <a:rPr lang="en-US" b="1" i="1" smtClean="0">
+                      <a:rPr lang="en-US" sz="1463" b="1" i="1">
                         <a:latin typeface="Cambria Math" panose="02040503050406030204" pitchFamily="18" charset="0"/>
                       </a:rPr>
                       <m:t>𝝁</m:t>
                     </m:r>
                     <m:r>
-                      <a:rPr lang="en-US" b="1" i="1" smtClean="0">
+                      <a:rPr lang="en-US" sz="1463" b="1" i="1">
                         <a:latin typeface="Cambria Math" panose="02040503050406030204" pitchFamily="18" charset="0"/>
                       </a:rPr>
                       <m:t>𝑪</m:t>
@@ -5495,7 +5197,7 @@
                   </m:oMath>
                 </a14:m>
                 <a:r>
-                  <a:rPr lang="en-US" b="1" dirty="0"/>
+                  <a:rPr lang="en-US" sz="1463" b="1" dirty="0"/>
                   <a:t>; 0.324mJ</a:t>
                 </a:r>
               </a:p>
@@ -5519,8 +5221,8 @@
             </p:nvSpPr>
             <p:spPr>
               <a:xfrm>
-                <a:off x="4903908" y="4642167"/>
-                <a:ext cx="6093500" cy="369332"/>
+                <a:off x="3984425" y="4414699"/>
+                <a:ext cx="4950969" cy="317459"/>
               </a:xfrm>
               <a:prstGeom prst="rect">
                 <a:avLst/>
@@ -5528,7 +5230,7 @@
               <a:blipFill>
                 <a:blip r:embed="rId4"/>
                 <a:stretch>
-                  <a:fillRect t="-8333" r="-900" b="-28333"/>
+                  <a:fillRect t="-3846" r="-369" b="-19231"/>
                 </a:stretch>
               </a:blipFill>
             </p:spPr>
@@ -5599,8 +5301,8 @@
         </p:blipFill>
         <p:spPr>
           <a:xfrm>
-            <a:off x="908562" y="539647"/>
-            <a:ext cx="10374876" cy="3770024"/>
+            <a:off x="738207" y="1081400"/>
+            <a:ext cx="8429587" cy="3063145"/>
           </a:xfrm>
           <a:prstGeom prst="rect">
             <a:avLst/>
@@ -5623,8 +5325,8 @@
             </p:nvSpPr>
             <p:spPr>
               <a:xfrm>
-                <a:off x="5189938" y="4125005"/>
-                <a:ext cx="6093500" cy="369332"/>
+                <a:off x="4216825" y="3994505"/>
+                <a:ext cx="4950969" cy="317459"/>
               </a:xfrm>
               <a:prstGeom prst="rect">
                 <a:avLst/>
@@ -5639,13 +5341,13 @@
               <a:p>
                 <a:pPr algn="r"/>
                 <a:r>
-                  <a:rPr lang="en-US" b="1" dirty="0"/>
+                  <a:rPr lang="en-US" sz="1463" b="1" dirty="0"/>
                   <a:t>[0.8</a:t>
                 </a:r>
                 <a14:m>
                   <m:oMath xmlns:m="http://schemas.openxmlformats.org/officeDocument/2006/math">
                     <m:r>
-                      <a:rPr lang="en-US" b="1" i="1" dirty="0" smtClean="0">
+                      <a:rPr lang="en-US" sz="1463" b="1" i="1" dirty="0">
                         <a:latin typeface="Cambria Math" panose="02040503050406030204" pitchFamily="18" charset="0"/>
                       </a:rPr>
                       <m:t>𝒏𝑭</m:t>
@@ -5653,13 +5355,13 @@
                   </m:oMath>
                 </a14:m>
                 <a:r>
-                  <a:rPr lang="en-US" b="1" dirty="0"/>
+                  <a:rPr lang="en-US" sz="1463" b="1" dirty="0"/>
                   <a:t>; 5.62</a:t>
                 </a:r>
                 <a14:m>
                   <m:oMath xmlns:m="http://schemas.openxmlformats.org/officeDocument/2006/math">
                     <m:r>
-                      <a:rPr lang="en-US" b="1" i="1" smtClean="0">
+                      <a:rPr lang="en-US" sz="1463" b="1" i="1">
                         <a:latin typeface="Cambria Math" panose="02040503050406030204" pitchFamily="18" charset="0"/>
                       </a:rPr>
                       <m:t>𝒏𝑱</m:t>
@@ -5667,23 +5369,19 @@
                   </m:oMath>
                 </a14:m>
                 <a:r>
-                  <a:rPr lang="en-US" b="1" dirty="0"/>
-                  <a:t>; decrease,</a:t>
-                </a:r>
-                <a:r>
-                  <a:rPr lang="en-US" b="1" baseline="0" dirty="0"/>
-                  <a:t> 32.5</a:t>
+                  <a:rPr lang="en-US" sz="1463" b="1" dirty="0"/>
+                  <a:t>; decrease, 32.5</a:t>
                 </a:r>
                 <a14:m>
                   <m:oMath xmlns:m="http://schemas.openxmlformats.org/officeDocument/2006/math">
                     <m:r>
-                      <a:rPr lang="en-US" b="1" i="1" baseline="0" smtClean="0">
+                      <a:rPr lang="en-US" sz="1463" b="1" i="1">
                         <a:latin typeface="Cambria Math" panose="02040503050406030204" pitchFamily="18" charset="0"/>
                       </a:rPr>
                       <m:t>𝝁</m:t>
                     </m:r>
                     <m:r>
-                      <a:rPr lang="en-US" b="1" i="1" baseline="0" smtClean="0">
+                      <a:rPr lang="en-US" sz="1463" b="1" i="1">
                         <a:latin typeface="Cambria Math" panose="02040503050406030204" pitchFamily="18" charset="0"/>
                       </a:rPr>
                       <m:t>𝑪</m:t>
@@ -5691,7 +5389,7 @@
                   </m:oMath>
                 </a14:m>
                 <a:r>
-                  <a:rPr lang="en-US" b="1" dirty="0"/>
+                  <a:rPr lang="en-US" sz="1463" b="1" dirty="0"/>
                   <a:t>]</a:t>
                 </a:r>
               </a:p>
@@ -5715,8 +5413,8 @@
             </p:nvSpPr>
             <p:spPr>
               <a:xfrm>
-                <a:off x="5189938" y="4125005"/>
-                <a:ext cx="6093500" cy="369332"/>
+                <a:off x="4216825" y="3994505"/>
+                <a:ext cx="4950969" cy="317459"/>
               </a:xfrm>
               <a:prstGeom prst="rect">
                 <a:avLst/>
@@ -5724,7 +5422,7 @@
               <a:blipFill>
                 <a:blip r:embed="rId4"/>
                 <a:stretch>
-                  <a:fillRect t="-8333" r="-900" b="-28333"/>
+                  <a:fillRect t="-3846" r="-369" b="-19231"/>
                 </a:stretch>
               </a:blipFill>
             </p:spPr>
@@ -5801,8 +5499,8 @@
         </p:blipFill>
         <p:spPr>
           <a:xfrm>
-            <a:off x="351770" y="209863"/>
-            <a:ext cx="11488460" cy="3590144"/>
+            <a:off x="285813" y="813451"/>
+            <a:ext cx="9334374" cy="2916992"/>
           </a:xfrm>
           <a:prstGeom prst="rect">
             <a:avLst/>
@@ -5825,8 +5523,8 @@
             </p:nvSpPr>
             <p:spPr>
               <a:xfrm>
-                <a:off x="5746730" y="3615341"/>
-                <a:ext cx="6093500" cy="369332"/>
+                <a:off x="4669218" y="3580403"/>
+                <a:ext cx="4950969" cy="317459"/>
               </a:xfrm>
               <a:prstGeom prst="rect">
                 <a:avLst/>
@@ -5841,19 +5539,19 @@
               <a:p>
                 <a:pPr algn="r"/>
                 <a:r>
-                  <a:rPr lang="en-US" b="1" dirty="0"/>
+                  <a:rPr lang="en-US" sz="1463" b="1" dirty="0"/>
                   <a:t>[1.25</a:t>
                 </a:r>
                 <a14:m>
                   <m:oMath xmlns:m="http://schemas.openxmlformats.org/officeDocument/2006/math">
                     <m:r>
-                      <a:rPr lang="en-US" b="1" i="1" smtClean="0">
+                      <a:rPr lang="en-US" sz="1463" b="1" i="1">
                         <a:latin typeface="Cambria Math" panose="02040503050406030204" pitchFamily="18" charset="0"/>
                       </a:rPr>
                       <m:t>𝝁</m:t>
                     </m:r>
                     <m:r>
-                      <a:rPr lang="en-US" b="1" i="1" smtClean="0">
+                      <a:rPr lang="en-US" sz="1463" b="1" i="1">
                         <a:latin typeface="Cambria Math" panose="02040503050406030204" pitchFamily="18" charset="0"/>
                       </a:rPr>
                       <m:t>𝑭</m:t>
@@ -5861,16 +5559,8 @@
                   </m:oMath>
                 </a14:m>
                 <a:r>
-                  <a:rPr lang="en-US" b="1" dirty="0"/>
-                  <a:t>; 5s;</a:t>
-                </a:r>
-                <a:r>
-                  <a:rPr lang="en-US" b="1" baseline="0" dirty="0"/>
-                  <a:t> 3.75V</a:t>
-                </a:r>
-                <a:r>
-                  <a:rPr lang="en-US" b="1" dirty="0"/>
-                  <a:t>]</a:t>
+                  <a:rPr lang="en-US" sz="1463" b="1" dirty="0"/>
+                  <a:t>; 5s; 3.75V]</a:t>
                 </a:r>
               </a:p>
             </p:txBody>
@@ -5893,8 +5583,8 @@
             </p:nvSpPr>
             <p:spPr>
               <a:xfrm>
-                <a:off x="5746730" y="3615341"/>
-                <a:ext cx="6093500" cy="369332"/>
+                <a:off x="4669218" y="3580403"/>
+                <a:ext cx="4950969" cy="317459"/>
               </a:xfrm>
               <a:prstGeom prst="rect">
                 <a:avLst/>
@@ -5902,7 +5592,7 @@
               <a:blipFill>
                 <a:blip r:embed="rId4"/>
                 <a:stretch>
-                  <a:fillRect t="-6557" r="-901" b="-26230"/>
+                  <a:fillRect t="-3846" r="-369" b="-19231"/>
                 </a:stretch>
               </a:blipFill>
             </p:spPr>
@@ -5979,8 +5669,8 @@
         </p:blipFill>
         <p:spPr>
           <a:xfrm>
-            <a:off x="308861" y="1079291"/>
-            <a:ext cx="11574278" cy="2660754"/>
+            <a:off x="250950" y="1519861"/>
+            <a:ext cx="9404101" cy="2161863"/>
           </a:xfrm>
           <a:prstGeom prst="rect">
             <a:avLst/>
@@ -6001,8 +5691,8 @@
         </p:nvSpPr>
         <p:spPr>
           <a:xfrm>
-            <a:off x="5789639" y="3555379"/>
-            <a:ext cx="6093500" cy="369332"/>
+            <a:off x="4704082" y="3531684"/>
+            <a:ext cx="4950969" cy="317459"/>
           </a:xfrm>
           <a:prstGeom prst="rect">
             <a:avLst/>
@@ -6017,7 +5707,7 @@
           <a:p>
             <a:pPr algn="r"/>
             <a:r>
-              <a:rPr lang="en-US" b="1" dirty="0"/>
+              <a:rPr lang="en-US" sz="1463" b="1" dirty="0"/>
               <a:t>[28.3pF; 0.4mC; 0.02J]</a:t>
             </a:r>
           </a:p>
@@ -6081,8 +5771,8 @@
         </p:blipFill>
         <p:spPr>
           <a:xfrm>
-            <a:off x="549195" y="607103"/>
-            <a:ext cx="11093610" cy="2345960"/>
+            <a:off x="446221" y="1136208"/>
+            <a:ext cx="9013558" cy="1906093"/>
           </a:xfrm>
           <a:prstGeom prst="rect">
             <a:avLst/>
@@ -6105,8 +5795,8 @@
             </p:nvSpPr>
             <p:spPr>
               <a:xfrm>
-                <a:off x="5549305" y="2953063"/>
-                <a:ext cx="6093500" cy="375552"/>
+                <a:off x="4508810" y="3042301"/>
+                <a:ext cx="4950969" cy="322717"/>
               </a:xfrm>
               <a:prstGeom prst="rect">
                 <a:avLst/>
@@ -6121,31 +5811,31 @@
               <a:p>
                 <a:pPr algn="r"/>
                 <a:r>
-                  <a:rPr lang="en-US" b="1" dirty="0"/>
+                  <a:rPr lang="en-US" sz="1463" b="1" dirty="0"/>
                   <a:t>[7.39, </a:t>
                 </a:r>
                 <a14:m>
                   <m:oMath xmlns:m="http://schemas.openxmlformats.org/officeDocument/2006/math">
                     <m:r>
-                      <a:rPr lang="en-US" b="1" i="1" smtClean="0">
+                      <a:rPr lang="en-US" sz="1463" b="1" i="1">
                         <a:latin typeface="Cambria Math" panose="02040503050406030204" pitchFamily="18" charset="0"/>
                       </a:rPr>
                       <m:t>𝟔</m:t>
                     </m:r>
                     <m:r>
-                      <a:rPr lang="en-US" b="1" i="1" smtClean="0">
+                      <a:rPr lang="en-US" sz="1463" b="1" i="1">
                         <a:latin typeface="Cambria Math" panose="02040503050406030204" pitchFamily="18" charset="0"/>
                       </a:rPr>
                       <m:t>.</m:t>
                     </m:r>
                     <m:r>
-                      <a:rPr lang="en-US" b="1" i="1" smtClean="0">
+                      <a:rPr lang="en-US" sz="1463" b="1" i="1">
                         <a:latin typeface="Cambria Math" panose="02040503050406030204" pitchFamily="18" charset="0"/>
                       </a:rPr>
                       <m:t>𝟓𝟒</m:t>
                     </m:r>
                     <m:r>
-                      <a:rPr lang="en-US" b="1" i="1" smtClean="0">
+                      <a:rPr lang="en-US" sz="1463" b="1" i="1">
                         <a:latin typeface="Cambria Math" panose="02040503050406030204" pitchFamily="18" charset="0"/>
                       </a:rPr>
                       <m:t>×</m:t>
@@ -6153,14 +5843,14 @@
                     <m:sSup>
                       <m:sSupPr>
                         <m:ctrlPr>
-                          <a:rPr lang="en-US" b="1" i="1" smtClean="0">
+                          <a:rPr lang="en-US" sz="1463" b="1" i="1">
                             <a:latin typeface="Cambria Math" panose="02040503050406030204" pitchFamily="18" charset="0"/>
                           </a:rPr>
                         </m:ctrlPr>
                       </m:sSupPr>
                       <m:e>
                         <m:r>
-                          <a:rPr lang="en-US" b="1" i="1" smtClean="0">
+                          <a:rPr lang="en-US" sz="1463" b="1" i="1">
                             <a:latin typeface="Cambria Math" panose="02040503050406030204" pitchFamily="18" charset="0"/>
                           </a:rPr>
                           <m:t>𝟏𝟎</m:t>
@@ -6168,13 +5858,13 @@
                       </m:e>
                       <m:sup>
                         <m:r>
-                          <a:rPr lang="en-US" b="1" i="1" smtClean="0">
+                          <a:rPr lang="en-US" sz="1463" b="1" i="1">
                             <a:latin typeface="Cambria Math" panose="02040503050406030204" pitchFamily="18" charset="0"/>
                           </a:rPr>
                           <m:t>−</m:t>
                         </m:r>
                         <m:r>
-                          <a:rPr lang="en-US" b="1" i="1" smtClean="0">
+                          <a:rPr lang="en-US" sz="1463" b="1" i="1">
                             <a:latin typeface="Cambria Math" panose="02040503050406030204" pitchFamily="18" charset="0"/>
                           </a:rPr>
                           <m:t>𝟏𝟏</m:t>
@@ -6182,7 +5872,7 @@
                       </m:sup>
                     </m:sSup>
                     <m:r>
-                      <a:rPr lang="en-US" b="1" i="1" smtClean="0">
+                      <a:rPr lang="en-US" sz="1463" b="1" i="1">
                         <a:latin typeface="Cambria Math" panose="02040503050406030204" pitchFamily="18" charset="0"/>
                       </a:rPr>
                       <m:t>𝑭</m:t>
@@ -6190,14 +5880,14 @@
                     <m:sSup>
                       <m:sSupPr>
                         <m:ctrlPr>
-                          <a:rPr lang="en-US" b="1" i="1" smtClean="0">
+                          <a:rPr lang="en-US" sz="1463" b="1" i="1">
                             <a:latin typeface="Cambria Math" panose="02040503050406030204" pitchFamily="18" charset="0"/>
                           </a:rPr>
                         </m:ctrlPr>
                       </m:sSupPr>
                       <m:e>
                         <m:r>
-                          <a:rPr lang="en-US" b="1" i="1" smtClean="0">
+                          <a:rPr lang="en-US" sz="1463" b="1" i="1">
                             <a:latin typeface="Cambria Math" panose="02040503050406030204" pitchFamily="18" charset="0"/>
                           </a:rPr>
                           <m:t>𝒎</m:t>
@@ -6205,13 +5895,13 @@
                       </m:e>
                       <m:sup>
                         <m:r>
-                          <a:rPr lang="en-US" b="1" i="1" smtClean="0">
+                          <a:rPr lang="en-US" sz="1463" b="1" i="1">
                             <a:latin typeface="Cambria Math" panose="02040503050406030204" pitchFamily="18" charset="0"/>
                           </a:rPr>
                           <m:t>−</m:t>
                         </m:r>
                         <m:r>
-                          <a:rPr lang="en-US" b="1" i="1" smtClean="0">
+                          <a:rPr lang="en-US" sz="1463" b="1" i="1">
                             <a:latin typeface="Cambria Math" panose="02040503050406030204" pitchFamily="18" charset="0"/>
                           </a:rPr>
                           <m:t>𝟏</m:t>
@@ -6221,7 +5911,7 @@
                   </m:oMath>
                 </a14:m>
                 <a:r>
-                  <a:rPr lang="en-US" b="1" dirty="0"/>
+                  <a:rPr lang="en-US" sz="1463" b="1" dirty="0"/>
                   <a:t>]</a:t>
                 </a:r>
               </a:p>
@@ -6245,8 +5935,8 @@
             </p:nvSpPr>
             <p:spPr>
               <a:xfrm>
-                <a:off x="5549305" y="2953063"/>
-                <a:ext cx="6093500" cy="375552"/>
+                <a:off x="4508810" y="3042301"/>
+                <a:ext cx="4950969" cy="322717"/>
               </a:xfrm>
               <a:prstGeom prst="rect">
                 <a:avLst/>
@@ -6254,7 +5944,7 @@
               <a:blipFill>
                 <a:blip r:embed="rId4"/>
                 <a:stretch>
-                  <a:fillRect t="-4839" r="-900" b="-25806"/>
+                  <a:fillRect t="-1887" r="-369" b="-18868"/>
                 </a:stretch>
               </a:blipFill>
             </p:spPr>
@@ -6331,8 +6021,8 @@
         </p:blipFill>
         <p:spPr>
           <a:xfrm>
-            <a:off x="1678899" y="164931"/>
-            <a:ext cx="8834202" cy="5598748"/>
+            <a:off x="1364106" y="776944"/>
+            <a:ext cx="7177789" cy="4548983"/>
           </a:xfrm>
           <a:prstGeom prst="rect">
             <a:avLst/>
@@ -6355,8 +6045,8 @@
             </p:nvSpPr>
             <p:spPr>
               <a:xfrm>
-                <a:off x="4965492" y="5763679"/>
-                <a:ext cx="6093500" cy="374846"/>
+                <a:off x="4034462" y="5325927"/>
+                <a:ext cx="4950969" cy="322139"/>
               </a:xfrm>
               <a:prstGeom prst="rect">
                 <a:avLst/>
@@ -6371,31 +6061,31 @@
               <a:p>
                 <a:pPr algn="r"/>
                 <a:r>
-                  <a:rPr lang="en-US" b="1" dirty="0"/>
+                  <a:rPr lang="en-US" sz="1463" b="1" dirty="0"/>
                   <a:t>[</a:t>
                 </a:r>
                 <a14:m>
                   <m:oMath xmlns:m="http://schemas.openxmlformats.org/officeDocument/2006/math">
                     <m:r>
-                      <a:rPr lang="en-US" b="1" i="1" smtClean="0">
+                      <a:rPr lang="en-US" sz="1463" b="1" i="1">
                         <a:latin typeface="Cambria Math" panose="02040503050406030204" pitchFamily="18" charset="0"/>
                       </a:rPr>
                       <m:t>𝟎</m:t>
                     </m:r>
                     <m:r>
-                      <a:rPr lang="en-US" b="1" i="1" smtClean="0">
+                      <a:rPr lang="en-US" sz="1463" b="1" i="1">
                         <a:latin typeface="Cambria Math" panose="02040503050406030204" pitchFamily="18" charset="0"/>
                       </a:rPr>
                       <m:t>.</m:t>
                     </m:r>
                     <m:r>
-                      <a:rPr lang="en-US" b="1" i="1" smtClean="0">
+                      <a:rPr lang="en-US" sz="1463" b="1" i="1">
                         <a:latin typeface="Cambria Math" panose="02040503050406030204" pitchFamily="18" charset="0"/>
                       </a:rPr>
                       <m:t>𝟗</m:t>
                     </m:r>
                     <m:r>
-                      <a:rPr lang="en-US" b="1" i="1" smtClean="0">
+                      <a:rPr lang="en-US" sz="1463" b="1" i="1">
                         <a:latin typeface="Cambria Math" panose="02040503050406030204" pitchFamily="18" charset="0"/>
                       </a:rPr>
                       <m:t>×</m:t>
@@ -6403,14 +6093,14 @@
                     <m:sSup>
                       <m:sSupPr>
                         <m:ctrlPr>
-                          <a:rPr lang="en-US" b="1" i="1" smtClean="0">
+                          <a:rPr lang="en-US" sz="1463" b="1" i="1">
                             <a:latin typeface="Cambria Math" panose="02040503050406030204" pitchFamily="18" charset="0"/>
                           </a:rPr>
                         </m:ctrlPr>
                       </m:sSupPr>
                       <m:e>
                         <m:r>
-                          <a:rPr lang="en-US" b="1" i="1" smtClean="0">
+                          <a:rPr lang="en-US" sz="1463" b="1" i="1">
                             <a:latin typeface="Cambria Math" panose="02040503050406030204" pitchFamily="18" charset="0"/>
                           </a:rPr>
                           <m:t>𝟏𝟎</m:t>
@@ -6418,13 +6108,13 @@
                       </m:e>
                       <m:sup>
                         <m:r>
-                          <a:rPr lang="en-US" b="1" i="1" smtClean="0">
+                          <a:rPr lang="en-US" sz="1463" b="1" i="1">
                             <a:latin typeface="Cambria Math" panose="02040503050406030204" pitchFamily="18" charset="0"/>
                           </a:rPr>
                           <m:t>−</m:t>
                         </m:r>
                         <m:r>
-                          <a:rPr lang="en-US" b="1" i="1" smtClean="0">
+                          <a:rPr lang="en-US" sz="1463" b="1" i="1">
                             <a:latin typeface="Cambria Math" panose="02040503050406030204" pitchFamily="18" charset="0"/>
                           </a:rPr>
                           <m:t>𝟒</m:t>
@@ -6432,7 +6122,7 @@
                       </m:sup>
                     </m:sSup>
                     <m:r>
-                      <a:rPr lang="en-US" b="1" i="1" smtClean="0">
+                      <a:rPr lang="en-US" sz="1463" b="1" i="1">
                         <a:latin typeface="Cambria Math" panose="02040503050406030204" pitchFamily="18" charset="0"/>
                       </a:rPr>
                       <m:t>𝑪</m:t>
@@ -6440,7 +6130,7 @@
                   </m:oMath>
                 </a14:m>
                 <a:r>
-                  <a:rPr lang="en-US" b="1" dirty="0"/>
+                  <a:rPr lang="en-US" sz="1463" b="1" dirty="0"/>
                   <a:t>]</a:t>
                 </a:r>
               </a:p>
@@ -6464,8 +6154,8 @@
             </p:nvSpPr>
             <p:spPr>
               <a:xfrm>
-                <a:off x="4965492" y="5763679"/>
-                <a:ext cx="6093500" cy="374846"/>
+                <a:off x="4034462" y="5325927"/>
+                <a:ext cx="4950969" cy="322139"/>
               </a:xfrm>
               <a:prstGeom prst="rect">
                 <a:avLst/>
@@ -6473,7 +6163,7 @@
               <a:blipFill>
                 <a:blip r:embed="rId4"/>
                 <a:stretch>
-                  <a:fillRect t="-4839" r="-901" b="-25806"/>
+                  <a:fillRect t="-1887" r="-369" b="-18868"/>
                 </a:stretch>
               </a:blipFill>
             </p:spPr>
@@ -6550,8 +6240,8 @@
         </p:blipFill>
         <p:spPr>
           <a:xfrm>
-            <a:off x="1169234" y="378997"/>
-            <a:ext cx="9853532" cy="4481068"/>
+            <a:off x="950003" y="950872"/>
+            <a:ext cx="8005995" cy="3640868"/>
           </a:xfrm>
           <a:prstGeom prst="rect">
             <a:avLst/>
@@ -6574,8 +6264,8 @@
             </p:nvSpPr>
             <p:spPr>
               <a:xfrm>
-                <a:off x="4929266" y="4675399"/>
-                <a:ext cx="6093500" cy="369332"/>
+                <a:off x="4005029" y="4441700"/>
+                <a:ext cx="4950969" cy="317459"/>
               </a:xfrm>
               <a:prstGeom prst="rect">
                 <a:avLst/>
@@ -6590,37 +6280,37 @@
               <a:p>
                 <a:pPr algn="r"/>
                 <a:r>
-                  <a:rPr lang="en-US" b="1" dirty="0"/>
+                  <a:rPr lang="en-US" sz="1463" b="1" dirty="0"/>
                   <a:t>[</a:t>
                 </a:r>
                 <a14:m>
                   <m:oMath xmlns:m="http://schemas.openxmlformats.org/officeDocument/2006/math">
                     <m:r>
-                      <a:rPr lang="en-US" b="1" i="1" smtClean="0">
+                      <a:rPr lang="en-US" sz="1463" b="1" i="1">
                         <a:latin typeface="Cambria Math" panose="02040503050406030204" pitchFamily="18" charset="0"/>
                       </a:rPr>
                       <m:t>𝟖𝟖</m:t>
                     </m:r>
                     <m:r>
-                      <a:rPr lang="en-US" b="1" i="1" smtClean="0">
+                      <a:rPr lang="en-US" sz="1463" b="1" i="1">
                         <a:latin typeface="Cambria Math" panose="02040503050406030204" pitchFamily="18" charset="0"/>
                       </a:rPr>
                       <m:t>.</m:t>
                     </m:r>
                     <m:r>
-                      <a:rPr lang="en-US" b="1" i="1" smtClean="0">
+                      <a:rPr lang="en-US" sz="1463" b="1" i="1">
                         <a:latin typeface="Cambria Math" panose="02040503050406030204" pitchFamily="18" charset="0"/>
                       </a:rPr>
                       <m:t>𝟓</m:t>
                     </m:r>
                     <m:r>
-                      <a:rPr lang="en-US" b="1" i="1" smtClean="0">
+                      <a:rPr lang="en-US" sz="1463" b="1" i="1">
                         <a:latin typeface="Cambria Math" panose="02040503050406030204" pitchFamily="18" charset="0"/>
                       </a:rPr>
                       <m:t>𝝁</m:t>
                     </m:r>
                     <m:r>
-                      <a:rPr lang="en-US" b="1" i="1" smtClean="0">
+                      <a:rPr lang="en-US" sz="1463" b="1" i="1">
                         <a:latin typeface="Cambria Math" panose="02040503050406030204" pitchFamily="18" charset="0"/>
                       </a:rPr>
                       <m:t>𝑪</m:t>
@@ -6628,7 +6318,7 @@
                   </m:oMath>
                 </a14:m>
                 <a:r>
-                  <a:rPr lang="en-US" b="1" dirty="0"/>
+                  <a:rPr lang="en-US" sz="1463" b="1" dirty="0"/>
                   <a:t>, 3.15V]</a:t>
                 </a:r>
               </a:p>
@@ -6652,8 +6342,8 @@
             </p:nvSpPr>
             <p:spPr>
               <a:xfrm>
-                <a:off x="4929266" y="4675399"/>
-                <a:ext cx="6093500" cy="369332"/>
+                <a:off x="4005029" y="4441700"/>
+                <a:ext cx="4950969" cy="317459"/>
               </a:xfrm>
               <a:prstGeom prst="rect">
                 <a:avLst/>
@@ -6661,7 +6351,7 @@
               <a:blipFill>
                 <a:blip r:embed="rId4"/>
                 <a:stretch>
-                  <a:fillRect t="-8197" r="-901" b="-26230"/>
+                  <a:fillRect t="-3846" r="-369" b="-19231"/>
                 </a:stretch>
               </a:blipFill>
             </p:spPr>
@@ -6738,8 +6428,8 @@
         </p:blipFill>
         <p:spPr>
           <a:xfrm>
-            <a:off x="1009731" y="179881"/>
-            <a:ext cx="10172538" cy="4249712"/>
+            <a:off x="820407" y="789091"/>
+            <a:ext cx="8265187" cy="3452891"/>
           </a:xfrm>
           <a:prstGeom prst="rect">
             <a:avLst/>
@@ -6760,8 +6450,8 @@
         </p:nvSpPr>
         <p:spPr>
           <a:xfrm>
-            <a:off x="5088769" y="4244927"/>
-            <a:ext cx="6093500" cy="369332"/>
+            <a:off x="4134625" y="4091941"/>
+            <a:ext cx="4950969" cy="317459"/>
           </a:xfrm>
           <a:prstGeom prst="rect">
             <a:avLst/>
@@ -6776,7 +6466,7 @@
           <a:p>
             <a:pPr algn="r"/>
             <a:r>
-              <a:rPr lang="en-US" b="1" dirty="0"/>
+              <a:rPr lang="en-US" sz="1463" b="1" dirty="0"/>
               <a:t>[2.75ms]</a:t>
             </a:r>
           </a:p>
@@ -6840,8 +6530,8 @@
         </p:blipFill>
         <p:spPr>
           <a:xfrm>
-            <a:off x="656468" y="719529"/>
-            <a:ext cx="10879064" cy="2151086"/>
+            <a:off x="533380" y="1227555"/>
+            <a:ext cx="8839240" cy="1747757"/>
           </a:xfrm>
           <a:prstGeom prst="rect">
             <a:avLst/>
@@ -6864,8 +6554,8 @@
             </p:nvSpPr>
             <p:spPr>
               <a:xfrm>
-                <a:off x="5442032" y="2870615"/>
-                <a:ext cx="6093500" cy="369332"/>
+                <a:off x="4421651" y="2975313"/>
+                <a:ext cx="4950969" cy="317459"/>
               </a:xfrm>
               <a:prstGeom prst="rect">
                 <a:avLst/>
@@ -6880,19 +6570,19 @@
               <a:p>
                 <a:pPr algn="r"/>
                 <a:r>
-                  <a:rPr lang="en-US" b="1" dirty="0"/>
+                  <a:rPr lang="en-US" sz="1463" b="1" dirty="0"/>
                   <a:t>[1s, 0.24mA, 1.62</a:t>
                 </a:r>
                 <a14:m>
                   <m:oMath xmlns:m="http://schemas.openxmlformats.org/officeDocument/2006/math">
                     <m:r>
-                      <a:rPr lang="en-US" b="1" i="1" smtClean="0">
+                      <a:rPr lang="en-US" sz="1463" b="1" i="1">
                         <a:latin typeface="Cambria Math" panose="02040503050406030204" pitchFamily="18" charset="0"/>
                       </a:rPr>
                       <m:t>𝝁</m:t>
                     </m:r>
                     <m:r>
-                      <a:rPr lang="en-US" b="1" i="1" smtClean="0">
+                      <a:rPr lang="en-US" sz="1463" b="1" i="1">
                         <a:latin typeface="Cambria Math" panose="02040503050406030204" pitchFamily="18" charset="0"/>
                       </a:rPr>
                       <m:t>𝑪</m:t>
@@ -6900,7 +6590,7 @@
                   </m:oMath>
                 </a14:m>
                 <a:r>
-                  <a:rPr lang="en-US" b="1" dirty="0"/>
+                  <a:rPr lang="en-US" sz="1463" b="1" dirty="0"/>
                   <a:t>; increase]</a:t>
                 </a:r>
               </a:p>
@@ -6924,8 +6614,8 @@
             </p:nvSpPr>
             <p:spPr>
               <a:xfrm>
-                <a:off x="5442032" y="2870615"/>
-                <a:ext cx="6093500" cy="369332"/>
+                <a:off x="4421651" y="2975313"/>
+                <a:ext cx="4950969" cy="317459"/>
               </a:xfrm>
               <a:prstGeom prst="rect">
                 <a:avLst/>
@@ -6933,7 +6623,7 @@
               <a:blipFill>
                 <a:blip r:embed="rId4"/>
                 <a:stretch>
-                  <a:fillRect t="-8333" r="-901" b="-28333"/>
+                  <a:fillRect t="-3846" r="-369" b="-19231"/>
                 </a:stretch>
               </a:blipFill>
             </p:spPr>
@@ -6968,7 +6658,7 @@
 <file path=ppt/theme/theme1.xml><?xml version="1.0" encoding="utf-8"?>
 <a:theme xmlns:a="http://schemas.openxmlformats.org/drawingml/2006/main" name="Office Theme">
   <a:themeElements>
-    <a:clrScheme name="Office">
+    <a:clrScheme name="Office Theme">
       <a:dk1>
         <a:sysClr val="windowText" lastClr="000000"/>
       </a:dk1>
@@ -7006,7 +6696,7 @@
         <a:srgbClr val="96607D"/>
       </a:folHlink>
     </a:clrScheme>
-    <a:fontScheme name="Office">
+    <a:fontScheme name="Office Theme">
       <a:majorFont>
         <a:latin typeface="Aptos Display" panose="02110004020202020204"/>
         <a:ea typeface=""/>
@@ -7112,7 +6802,7 @@
         <a:font script="Tfng" typeface="Ebrima"/>
       </a:minorFont>
     </a:fontScheme>
-    <a:fmtScheme name="Office">
+    <a:fmtScheme name="Office Theme">
       <a:fillStyleLst>
         <a:solidFill>
           <a:schemeClr val="phClr"/>
